--- a/excel-chart-to-powerpoint-demo.pptx
+++ b/excel-chart-to-powerpoint-demo.pptx
@@ -5,7 +5,7 @@
     <p:sldMasterId id="2147483648" r:id="rId1"/>
   </p:sldMasterIdLst>
   <p:sldIdLst>
-    <p:sldId id="256" r:id="rId2"/>
+    <p:sldId id="257" r:id="rId2"/>
   </p:sldIdLst>
   <p:sldSz cx="12192000" cy="6858000"/>
   <p:notesSz cx="6858000" cy="9144000"/>
@@ -104,6 +104,11 @@
       </a:defRPr>
     </a:lvl9pPr>
   </p:defaultTextStyle>
+  <p:extLst>
+    <p:ext uri="{EFAFB233-063F-42B5-8137-9DF3F51BA10A}">
+      <p15:sldGuideLst xmlns:p15="http://schemas.microsoft.com/office/powerpoint/2012/main"/>
+    </p:ext>
+  </p:extLst>
 </p:presentation>
 </file>
 
@@ -3326,55 +3331,65 @@
           <p:cNvPr id="2" name="Title 1">
             <a:extLst>
               <a:ext uri="{FF2B5EF4-FFF2-40B4-BE49-F238E27FC236}">
-                <a16:creationId xmlns:a16="http://schemas.microsoft.com/office/drawing/2014/main" id="{51C91726-A9D3-8500-F58F-A915189E6C94}"/>
-              </a:ext>
-            </a:extLst>
-          </p:cNvPr>
-          <p:cNvSpPr>
-            <a:spLocks noGrp="1"/>
-          </p:cNvSpPr>
-          <p:nvPr>
-            <p:ph type="ctrTitle"/>
-          </p:nvPr>
-        </p:nvSpPr>
-        <p:spPr/>
-        <p:txBody>
-          <a:bodyPr/>
-          <a:lstStyle/>
-          <a:p>
-            <a:endParaRPr lang="en-US"/>
-          </a:p>
-        </p:txBody>
-      </p:sp>
-      <p:sp>
-        <p:nvSpPr>
-          <p:cNvPr id="3" name="Subtitle 2">
-            <a:extLst>
-              <a:ext uri="{FF2B5EF4-FFF2-40B4-BE49-F238E27FC236}">
-                <a16:creationId xmlns:a16="http://schemas.microsoft.com/office/drawing/2014/main" id="{6BABAD96-7856-43AC-28C1-382E00C77C46}"/>
-              </a:ext>
-            </a:extLst>
-          </p:cNvPr>
-          <p:cNvSpPr>
-            <a:spLocks noGrp="1"/>
-          </p:cNvSpPr>
-          <p:nvPr>
-            <p:ph type="subTitle" idx="1"/>
-          </p:nvPr>
-        </p:nvSpPr>
-        <p:spPr/>
-        <p:txBody>
-          <a:bodyPr/>
-          <a:lstStyle/>
-          <a:p>
-            <a:endParaRPr lang="en-US"/>
-          </a:p>
-        </p:txBody>
-      </p:sp>
+                <a16:creationId xmlns:a16="http://schemas.microsoft.com/office/drawing/2014/main" id="{5C82BE2B-DFD6-D4A1-F270-4C851EF10AD5}"/>
+              </a:ext>
+            </a:extLst>
+          </p:cNvPr>
+          <p:cNvSpPr>
+            <a:spLocks noGrp="1"/>
+          </p:cNvSpPr>
+          <p:nvPr>
+            <p:ph type="title"/>
+          </p:nvPr>
+        </p:nvSpPr>
+        <p:spPr/>
+        <p:txBody>
+          <a:bodyPr/>
+          <a:lstStyle/>
+          <a:p>
+            <a:r>
+              <a:rPr lang="en-US" dirty="0"/>
+              <a:t>Method 1: Pasting chart as image</a:t>
+            </a:r>
+          </a:p>
+        </p:txBody>
+      </p:sp>
+      <p:pic>
+        <p:nvPicPr>
+          <p:cNvPr id="7" name="Content Placeholder 6">
+            <a:extLst>
+              <a:ext uri="{FF2B5EF4-FFF2-40B4-BE49-F238E27FC236}">
+                <a16:creationId xmlns:a16="http://schemas.microsoft.com/office/drawing/2014/main" id="{AA724DBC-82FA-47D1-E226-E62C2828E78E}"/>
+              </a:ext>
+            </a:extLst>
+          </p:cNvPr>
+          <p:cNvPicPr>
+            <a:picLocks noGrp="1" noChangeAspect="1"/>
+          </p:cNvPicPr>
+          <p:nvPr>
+            <p:ph idx="1"/>
+          </p:nvPr>
+        </p:nvPicPr>
+        <p:blipFill>
+          <a:blip r:embed="rId2"/>
+          <a:stretch>
+            <a:fillRect/>
+          </a:stretch>
+        </p:blipFill>
+        <p:spPr>
+          <a:xfrm>
+            <a:off x="4199979" y="2882581"/>
+            <a:ext cx="3792041" cy="2237426"/>
+          </a:xfrm>
+          <a:prstGeom prst="rect">
+            <a:avLst/>
+          </a:prstGeom>
+        </p:spPr>
+      </p:pic>
     </p:spTree>
     <p:extLst>
       <p:ext uri="{BB962C8B-B14F-4D97-AF65-F5344CB8AC3E}">
-        <p14:creationId xmlns:p14="http://schemas.microsoft.com/office/powerpoint/2010/main" val="703529552"/>
+        <p14:creationId xmlns:p14="http://schemas.microsoft.com/office/powerpoint/2010/main" val="3646626113"/>
       </p:ext>
     </p:extLst>
   </p:cSld>

--- a/excel-chart-to-powerpoint-demo.pptx
+++ b/excel-chart-to-powerpoint-demo.pptx
@@ -6,6 +6,8 @@
   </p:sldMasterIdLst>
   <p:sldIdLst>
     <p:sldId id="257" r:id="rId2"/>
+    <p:sldId id="258" r:id="rId3"/>
+    <p:sldId id="259" r:id="rId4"/>
   </p:sldIdLst>
   <p:sldSz cx="12192000" cy="6858000"/>
   <p:notesSz cx="6858000" cy="9144000"/>
@@ -112,6 +114,1815 @@
 </p:presentation>
 </file>
 
+<file path=ppt/charts/chart1.xml><?xml version="1.0" encoding="utf-8"?>
+<c:chartSpace xmlns:c="http://schemas.openxmlformats.org/drawingml/2006/chart" xmlns:a="http://schemas.openxmlformats.org/drawingml/2006/main" xmlns:r="http://schemas.openxmlformats.org/officeDocument/2006/relationships" xmlns:c16r2="http://schemas.microsoft.com/office/drawing/2015/06/chart">
+  <c:date1904 val="0"/>
+  <c:lang val="en-US"/>
+  <c:roundedCorners val="0"/>
+  <mc:AlternateContent xmlns:mc="http://schemas.openxmlformats.org/markup-compatibility/2006">
+    <mc:Choice xmlns:c14="http://schemas.microsoft.com/office/drawing/2007/8/2/chart" Requires="c14">
+      <c14:style val="102"/>
+    </mc:Choice>
+    <mc:Fallback>
+      <c:style val="2"/>
+    </mc:Fallback>
+  </mc:AlternateContent>
+  <c:clrMapOvr bg1="lt1" tx1="dk1" bg2="lt2" tx2="dk2" accent1="accent1" accent2="accent2" accent3="accent3" accent4="accent4" accent5="accent5" accent6="accent6" hlink="hlink" folHlink="folHlink"/>
+  <c:chart>
+    <c:title>
+      <c:tx>
+        <c:rich>
+          <a:bodyPr rot="0" spcFirstLastPara="1" vertOverflow="ellipsis" vert="horz" wrap="square" anchor="ctr" anchorCtr="1"/>
+          <a:lstStyle/>
+          <a:p>
+            <a:pPr>
+              <a:defRPr sz="1400" b="0" i="0" u="none" strike="noStrike" kern="1200" spc="0" baseline="0">
+                <a:solidFill>
+                  <a:schemeClr val="tx1">
+                    <a:lumMod val="65000"/>
+                    <a:lumOff val="35000"/>
+                  </a:schemeClr>
+                </a:solidFill>
+                <a:latin typeface="+mn-lt"/>
+                <a:ea typeface="+mn-ea"/>
+                <a:cs typeface="+mn-cs"/>
+              </a:defRPr>
+            </a:pPr>
+            <a:r>
+              <a:rPr lang="en-US"/>
+              <a:t>NYC boroughs</a:t>
+            </a:r>
+            <a:r>
+              <a:rPr lang="en-US" baseline="0"/>
+              <a:t> by land area</a:t>
+            </a:r>
+            <a:endParaRPr lang="en-US"/>
+          </a:p>
+        </c:rich>
+      </c:tx>
+      <c:overlay val="0"/>
+      <c:spPr>
+        <a:noFill/>
+        <a:ln>
+          <a:noFill/>
+        </a:ln>
+        <a:effectLst/>
+      </c:spPr>
+      <c:txPr>
+        <a:bodyPr rot="0" spcFirstLastPara="1" vertOverflow="ellipsis" vert="horz" wrap="square" anchor="ctr" anchorCtr="1"/>
+        <a:lstStyle/>
+        <a:p>
+          <a:pPr>
+            <a:defRPr sz="1400" b="0" i="0" u="none" strike="noStrike" kern="1200" spc="0" baseline="0">
+              <a:solidFill>
+                <a:schemeClr val="tx1">
+                  <a:lumMod val="65000"/>
+                  <a:lumOff val="35000"/>
+                </a:schemeClr>
+              </a:solidFill>
+              <a:latin typeface="+mn-lt"/>
+              <a:ea typeface="+mn-ea"/>
+              <a:cs typeface="+mn-cs"/>
+            </a:defRPr>
+          </a:pPr>
+          <a:endParaRPr lang="en-US"/>
+        </a:p>
+      </c:txPr>
+    </c:title>
+    <c:autoTitleDeleted val="0"/>
+    <c:plotArea>
+      <c:layout/>
+      <c:barChart>
+        <c:barDir val="bar"/>
+        <c:grouping val="clustered"/>
+        <c:varyColors val="0"/>
+        <c:ser>
+          <c:idx val="0"/>
+          <c:order val="0"/>
+          <c:tx>
+            <c:strRef>
+              <c:f>Sheet1!$B$1</c:f>
+              <c:strCache>
+                <c:ptCount val="1"/>
+                <c:pt idx="0">
+                  <c:v>Land Area (sq mi)</c:v>
+                </c:pt>
+              </c:strCache>
+            </c:strRef>
+          </c:tx>
+          <c:spPr>
+            <a:solidFill>
+              <a:schemeClr val="accent1"/>
+            </a:solidFill>
+            <a:ln>
+              <a:noFill/>
+            </a:ln>
+            <a:effectLst/>
+          </c:spPr>
+          <c:invertIfNegative val="0"/>
+          <c:cat>
+            <c:strRef>
+              <c:f>Sheet1!$A$2:$A$6</c:f>
+              <c:strCache>
+                <c:ptCount val="5"/>
+                <c:pt idx="0">
+                  <c:v>Manhattan</c:v>
+                </c:pt>
+                <c:pt idx="1">
+                  <c:v>Bronx</c:v>
+                </c:pt>
+                <c:pt idx="2">
+                  <c:v>Staten Island</c:v>
+                </c:pt>
+                <c:pt idx="3">
+                  <c:v>Brooklyn</c:v>
+                </c:pt>
+                <c:pt idx="4">
+                  <c:v>Queens</c:v>
+                </c:pt>
+              </c:strCache>
+            </c:strRef>
+          </c:cat>
+          <c:val>
+            <c:numRef>
+              <c:f>Sheet1!$B$2:$B$6</c:f>
+              <c:numCache>
+                <c:formatCode>General</c:formatCode>
+                <c:ptCount val="5"/>
+                <c:pt idx="0">
+                  <c:v>22.83</c:v>
+                </c:pt>
+                <c:pt idx="1">
+                  <c:v>42.1</c:v>
+                </c:pt>
+                <c:pt idx="2">
+                  <c:v>58.37</c:v>
+                </c:pt>
+                <c:pt idx="3">
+                  <c:v>69.5</c:v>
+                </c:pt>
+                <c:pt idx="4">
+                  <c:v>108.7</c:v>
+                </c:pt>
+              </c:numCache>
+            </c:numRef>
+          </c:val>
+          <c:extLst>
+            <c:ext xmlns:c16="http://schemas.microsoft.com/office/drawing/2014/chart" uri="{C3380CC4-5D6E-409C-BE32-E72D297353CC}">
+              <c16:uniqueId val="{00000000-8AB1-4BCE-8BF3-6CDE3BD8171A}"/>
+            </c:ext>
+          </c:extLst>
+        </c:ser>
+        <c:dLbls>
+          <c:showLegendKey val="0"/>
+          <c:showVal val="0"/>
+          <c:showCatName val="0"/>
+          <c:showSerName val="0"/>
+          <c:showPercent val="0"/>
+          <c:showBubbleSize val="0"/>
+        </c:dLbls>
+        <c:gapWidth val="61"/>
+        <c:overlap val="-6"/>
+        <c:axId val="1539946559"/>
+        <c:axId val="1539947519"/>
+      </c:barChart>
+      <c:catAx>
+        <c:axId val="1539946559"/>
+        <c:scaling>
+          <c:orientation val="minMax"/>
+        </c:scaling>
+        <c:delete val="0"/>
+        <c:axPos val="l"/>
+        <c:numFmt formatCode="General" sourceLinked="1"/>
+        <c:majorTickMark val="none"/>
+        <c:minorTickMark val="none"/>
+        <c:tickLblPos val="nextTo"/>
+        <c:spPr>
+          <a:noFill/>
+          <a:ln w="9525" cap="flat" cmpd="sng" algn="ctr">
+            <a:solidFill>
+              <a:schemeClr val="tx1">
+                <a:lumMod val="15000"/>
+                <a:lumOff val="85000"/>
+              </a:schemeClr>
+            </a:solidFill>
+            <a:round/>
+          </a:ln>
+          <a:effectLst/>
+        </c:spPr>
+        <c:txPr>
+          <a:bodyPr rot="-60000000" spcFirstLastPara="1" vertOverflow="ellipsis" vert="horz" wrap="square" anchor="ctr" anchorCtr="1"/>
+          <a:lstStyle/>
+          <a:p>
+            <a:pPr>
+              <a:defRPr sz="900" b="0" i="0" u="none" strike="noStrike" kern="1200" baseline="0">
+                <a:solidFill>
+                  <a:schemeClr val="tx1">
+                    <a:lumMod val="65000"/>
+                    <a:lumOff val="35000"/>
+                  </a:schemeClr>
+                </a:solidFill>
+                <a:latin typeface="+mn-lt"/>
+                <a:ea typeface="+mn-ea"/>
+                <a:cs typeface="+mn-cs"/>
+              </a:defRPr>
+            </a:pPr>
+            <a:endParaRPr lang="en-US"/>
+          </a:p>
+        </c:txPr>
+        <c:crossAx val="1539947519"/>
+        <c:crosses val="autoZero"/>
+        <c:auto val="1"/>
+        <c:lblAlgn val="ctr"/>
+        <c:lblOffset val="100"/>
+        <c:noMultiLvlLbl val="0"/>
+      </c:catAx>
+      <c:valAx>
+        <c:axId val="1539947519"/>
+        <c:scaling>
+          <c:orientation val="minMax"/>
+        </c:scaling>
+        <c:delete val="0"/>
+        <c:axPos val="b"/>
+        <c:title>
+          <c:tx>
+            <c:rich>
+              <a:bodyPr rot="0" spcFirstLastPara="1" vertOverflow="ellipsis" vert="horz" wrap="square" anchor="ctr" anchorCtr="1"/>
+              <a:lstStyle/>
+              <a:p>
+                <a:pPr>
+                  <a:defRPr sz="1000" b="0" i="0" u="none" strike="noStrike" kern="1200" baseline="0">
+                    <a:solidFill>
+                      <a:schemeClr val="tx1">
+                        <a:lumMod val="65000"/>
+                        <a:lumOff val="35000"/>
+                      </a:schemeClr>
+                    </a:solidFill>
+                    <a:latin typeface="+mn-lt"/>
+                    <a:ea typeface="+mn-ea"/>
+                    <a:cs typeface="+mn-cs"/>
+                  </a:defRPr>
+                </a:pPr>
+                <a:r>
+                  <a:rPr lang="en-US"/>
+                  <a:t>Land</a:t>
+                </a:r>
+                <a:r>
+                  <a:rPr lang="en-US" baseline="0"/>
+                  <a:t> area (square miles)</a:t>
+                </a:r>
+                <a:endParaRPr lang="en-US"/>
+              </a:p>
+            </c:rich>
+          </c:tx>
+          <c:overlay val="0"/>
+          <c:spPr>
+            <a:noFill/>
+            <a:ln>
+              <a:noFill/>
+            </a:ln>
+            <a:effectLst/>
+          </c:spPr>
+          <c:txPr>
+            <a:bodyPr rot="0" spcFirstLastPara="1" vertOverflow="ellipsis" vert="horz" wrap="square" anchor="ctr" anchorCtr="1"/>
+            <a:lstStyle/>
+            <a:p>
+              <a:pPr>
+                <a:defRPr sz="1000" b="0" i="0" u="none" strike="noStrike" kern="1200" baseline="0">
+                  <a:solidFill>
+                    <a:schemeClr val="tx1">
+                      <a:lumMod val="65000"/>
+                      <a:lumOff val="35000"/>
+                    </a:schemeClr>
+                  </a:solidFill>
+                  <a:latin typeface="+mn-lt"/>
+                  <a:ea typeface="+mn-ea"/>
+                  <a:cs typeface="+mn-cs"/>
+                </a:defRPr>
+              </a:pPr>
+              <a:endParaRPr lang="en-US"/>
+            </a:p>
+          </c:txPr>
+        </c:title>
+        <c:numFmt formatCode="General" sourceLinked="1"/>
+        <c:majorTickMark val="none"/>
+        <c:minorTickMark val="none"/>
+        <c:tickLblPos val="nextTo"/>
+        <c:spPr>
+          <a:noFill/>
+          <a:ln>
+            <a:noFill/>
+          </a:ln>
+          <a:effectLst/>
+        </c:spPr>
+        <c:txPr>
+          <a:bodyPr rot="-60000000" spcFirstLastPara="1" vertOverflow="ellipsis" vert="horz" wrap="square" anchor="ctr" anchorCtr="1"/>
+          <a:lstStyle/>
+          <a:p>
+            <a:pPr>
+              <a:defRPr sz="900" b="0" i="0" u="none" strike="noStrike" kern="1200" baseline="0">
+                <a:solidFill>
+                  <a:schemeClr val="tx1">
+                    <a:lumMod val="65000"/>
+                    <a:lumOff val="35000"/>
+                  </a:schemeClr>
+                </a:solidFill>
+                <a:latin typeface="+mn-lt"/>
+                <a:ea typeface="+mn-ea"/>
+                <a:cs typeface="+mn-cs"/>
+              </a:defRPr>
+            </a:pPr>
+            <a:endParaRPr lang="en-US"/>
+          </a:p>
+        </c:txPr>
+        <c:crossAx val="1539946559"/>
+        <c:crosses val="autoZero"/>
+        <c:crossBetween val="between"/>
+      </c:valAx>
+      <c:spPr>
+        <a:noFill/>
+        <a:ln>
+          <a:noFill/>
+        </a:ln>
+        <a:effectLst/>
+      </c:spPr>
+    </c:plotArea>
+    <c:plotVisOnly val="1"/>
+    <c:dispBlanksAs val="gap"/>
+    <c:showDLblsOverMax val="0"/>
+  </c:chart>
+  <c:spPr>
+    <a:noFill/>
+    <a:ln>
+      <a:noFill/>
+    </a:ln>
+    <a:effectLst/>
+  </c:spPr>
+  <c:txPr>
+    <a:bodyPr/>
+    <a:lstStyle/>
+    <a:p>
+      <a:pPr>
+        <a:defRPr/>
+      </a:pPr>
+      <a:endParaRPr lang="en-US"/>
+    </a:p>
+  </c:txPr>
+  <c:externalData r:id="rId4">
+    <c:autoUpdate val="0"/>
+  </c:externalData>
+</c:chartSpace>
+</file>
+
+<file path=ppt/charts/chart2.xml><?xml version="1.0" encoding="utf-8"?>
+<c:chartSpace xmlns:c="http://schemas.openxmlformats.org/drawingml/2006/chart" xmlns:a="http://schemas.openxmlformats.org/drawingml/2006/main" xmlns:r="http://schemas.openxmlformats.org/officeDocument/2006/relationships" xmlns:c16r2="http://schemas.microsoft.com/office/drawing/2015/06/chart">
+  <c:date1904 val="0"/>
+  <c:lang val="en-US"/>
+  <c:roundedCorners val="0"/>
+  <mc:AlternateContent xmlns:mc="http://schemas.openxmlformats.org/markup-compatibility/2006">
+    <mc:Choice xmlns:c14="http://schemas.microsoft.com/office/drawing/2007/8/2/chart" Requires="c14">
+      <c14:style val="102"/>
+    </mc:Choice>
+    <mc:Fallback>
+      <c:style val="2"/>
+    </mc:Fallback>
+  </mc:AlternateContent>
+  <c:chart>
+    <c:title>
+      <c:tx>
+        <c:rich>
+          <a:bodyPr rot="0" spcFirstLastPara="1" vertOverflow="ellipsis" vert="horz" wrap="square" anchor="ctr" anchorCtr="1"/>
+          <a:lstStyle/>
+          <a:p>
+            <a:pPr>
+              <a:defRPr sz="1400" b="0" i="0" u="none" strike="noStrike" kern="1200" spc="0" baseline="0">
+                <a:solidFill>
+                  <a:schemeClr val="tx1">
+                    <a:lumMod val="65000"/>
+                    <a:lumOff val="35000"/>
+                  </a:schemeClr>
+                </a:solidFill>
+                <a:latin typeface="+mn-lt"/>
+                <a:ea typeface="+mn-ea"/>
+                <a:cs typeface="+mn-cs"/>
+              </a:defRPr>
+            </a:pPr>
+            <a:r>
+              <a:rPr lang="en-US"/>
+              <a:t>NYC boroughs</a:t>
+            </a:r>
+            <a:r>
+              <a:rPr lang="en-US" baseline="0"/>
+              <a:t> by land area</a:t>
+            </a:r>
+            <a:endParaRPr lang="en-US"/>
+          </a:p>
+        </c:rich>
+      </c:tx>
+      <c:overlay val="0"/>
+      <c:spPr>
+        <a:noFill/>
+        <a:ln>
+          <a:noFill/>
+        </a:ln>
+        <a:effectLst/>
+      </c:spPr>
+      <c:txPr>
+        <a:bodyPr rot="0" spcFirstLastPara="1" vertOverflow="ellipsis" vert="horz" wrap="square" anchor="ctr" anchorCtr="1"/>
+        <a:lstStyle/>
+        <a:p>
+          <a:pPr>
+            <a:defRPr sz="1400" b="0" i="0" u="none" strike="noStrike" kern="1200" spc="0" baseline="0">
+              <a:solidFill>
+                <a:schemeClr val="tx1">
+                  <a:lumMod val="65000"/>
+                  <a:lumOff val="35000"/>
+                </a:schemeClr>
+              </a:solidFill>
+              <a:latin typeface="+mn-lt"/>
+              <a:ea typeface="+mn-ea"/>
+              <a:cs typeface="+mn-cs"/>
+            </a:defRPr>
+          </a:pPr>
+          <a:endParaRPr lang="en-US"/>
+        </a:p>
+      </c:txPr>
+    </c:title>
+    <c:autoTitleDeleted val="0"/>
+    <c:plotArea>
+      <c:layout/>
+      <c:barChart>
+        <c:barDir val="bar"/>
+        <c:grouping val="clustered"/>
+        <c:varyColors val="0"/>
+        <c:ser>
+          <c:idx val="0"/>
+          <c:order val="0"/>
+          <c:tx>
+            <c:strRef>
+              <c:f>Sheet1!$B$1</c:f>
+              <c:strCache>
+                <c:ptCount val="1"/>
+                <c:pt idx="0">
+                  <c:v>Land Area (sq mi)</c:v>
+                </c:pt>
+              </c:strCache>
+            </c:strRef>
+          </c:tx>
+          <c:spPr>
+            <a:solidFill>
+              <a:schemeClr val="accent1"/>
+            </a:solidFill>
+            <a:ln>
+              <a:noFill/>
+            </a:ln>
+            <a:effectLst/>
+          </c:spPr>
+          <c:invertIfNegative val="0"/>
+          <c:cat>
+            <c:strRef>
+              <c:f>Sheet1!$A$2:$A$6</c:f>
+              <c:strCache>
+                <c:ptCount val="5"/>
+                <c:pt idx="0">
+                  <c:v>Manhattan</c:v>
+                </c:pt>
+                <c:pt idx="1">
+                  <c:v>Bronx</c:v>
+                </c:pt>
+                <c:pt idx="2">
+                  <c:v>Staten Island</c:v>
+                </c:pt>
+                <c:pt idx="3">
+                  <c:v>Brooklyn</c:v>
+                </c:pt>
+                <c:pt idx="4">
+                  <c:v>Queens</c:v>
+                </c:pt>
+              </c:strCache>
+            </c:strRef>
+          </c:cat>
+          <c:val>
+            <c:numRef>
+              <c:f>Sheet1!$B$2:$B$6</c:f>
+              <c:numCache>
+                <c:formatCode>General</c:formatCode>
+                <c:ptCount val="5"/>
+                <c:pt idx="0">
+                  <c:v>22.83</c:v>
+                </c:pt>
+                <c:pt idx="1">
+                  <c:v>42.1</c:v>
+                </c:pt>
+                <c:pt idx="2">
+                  <c:v>58.37</c:v>
+                </c:pt>
+                <c:pt idx="3">
+                  <c:v>69.5</c:v>
+                </c:pt>
+                <c:pt idx="4">
+                  <c:v>108.7</c:v>
+                </c:pt>
+              </c:numCache>
+            </c:numRef>
+          </c:val>
+          <c:extLst>
+            <c:ext xmlns:c16="http://schemas.microsoft.com/office/drawing/2014/chart" uri="{C3380CC4-5D6E-409C-BE32-E72D297353CC}">
+              <c16:uniqueId val="{00000000-B2AD-4868-B2F3-AA7CA29B677A}"/>
+            </c:ext>
+          </c:extLst>
+        </c:ser>
+        <c:dLbls>
+          <c:showLegendKey val="0"/>
+          <c:showVal val="0"/>
+          <c:showCatName val="0"/>
+          <c:showSerName val="0"/>
+          <c:showPercent val="0"/>
+          <c:showBubbleSize val="0"/>
+        </c:dLbls>
+        <c:gapWidth val="61"/>
+        <c:overlap val="-6"/>
+        <c:axId val="1539946559"/>
+        <c:axId val="1539947519"/>
+      </c:barChart>
+      <c:catAx>
+        <c:axId val="1539946559"/>
+        <c:scaling>
+          <c:orientation val="minMax"/>
+        </c:scaling>
+        <c:delete val="0"/>
+        <c:axPos val="l"/>
+        <c:numFmt formatCode="General" sourceLinked="1"/>
+        <c:majorTickMark val="none"/>
+        <c:minorTickMark val="none"/>
+        <c:tickLblPos val="nextTo"/>
+        <c:spPr>
+          <a:noFill/>
+          <a:ln w="9525" cap="flat" cmpd="sng" algn="ctr">
+            <a:solidFill>
+              <a:schemeClr val="tx1">
+                <a:lumMod val="15000"/>
+                <a:lumOff val="85000"/>
+              </a:schemeClr>
+            </a:solidFill>
+            <a:round/>
+          </a:ln>
+          <a:effectLst/>
+        </c:spPr>
+        <c:txPr>
+          <a:bodyPr rot="-60000000" spcFirstLastPara="1" vertOverflow="ellipsis" vert="horz" wrap="square" anchor="ctr" anchorCtr="1"/>
+          <a:lstStyle/>
+          <a:p>
+            <a:pPr>
+              <a:defRPr sz="900" b="0" i="0" u="none" strike="noStrike" kern="1200" baseline="0">
+                <a:solidFill>
+                  <a:schemeClr val="tx1">
+                    <a:lumMod val="65000"/>
+                    <a:lumOff val="35000"/>
+                  </a:schemeClr>
+                </a:solidFill>
+                <a:latin typeface="+mn-lt"/>
+                <a:ea typeface="+mn-ea"/>
+                <a:cs typeface="+mn-cs"/>
+              </a:defRPr>
+            </a:pPr>
+            <a:endParaRPr lang="en-US"/>
+          </a:p>
+        </c:txPr>
+        <c:crossAx val="1539947519"/>
+        <c:crosses val="autoZero"/>
+        <c:auto val="1"/>
+        <c:lblAlgn val="ctr"/>
+        <c:lblOffset val="100"/>
+        <c:noMultiLvlLbl val="0"/>
+      </c:catAx>
+      <c:valAx>
+        <c:axId val="1539947519"/>
+        <c:scaling>
+          <c:orientation val="minMax"/>
+        </c:scaling>
+        <c:delete val="0"/>
+        <c:axPos val="b"/>
+        <c:title>
+          <c:tx>
+            <c:rich>
+              <a:bodyPr rot="0" spcFirstLastPara="1" vertOverflow="ellipsis" vert="horz" wrap="square" anchor="ctr" anchorCtr="1"/>
+              <a:lstStyle/>
+              <a:p>
+                <a:pPr>
+                  <a:defRPr sz="1000" b="0" i="0" u="none" strike="noStrike" kern="1200" baseline="0">
+                    <a:solidFill>
+                      <a:schemeClr val="tx1">
+                        <a:lumMod val="65000"/>
+                        <a:lumOff val="35000"/>
+                      </a:schemeClr>
+                    </a:solidFill>
+                    <a:latin typeface="+mn-lt"/>
+                    <a:ea typeface="+mn-ea"/>
+                    <a:cs typeface="+mn-cs"/>
+                  </a:defRPr>
+                </a:pPr>
+                <a:r>
+                  <a:rPr lang="en-US"/>
+                  <a:t>Land</a:t>
+                </a:r>
+                <a:r>
+                  <a:rPr lang="en-US" baseline="0"/>
+                  <a:t> area (square miles)</a:t>
+                </a:r>
+                <a:endParaRPr lang="en-US"/>
+              </a:p>
+            </c:rich>
+          </c:tx>
+          <c:overlay val="0"/>
+          <c:spPr>
+            <a:noFill/>
+            <a:ln>
+              <a:noFill/>
+            </a:ln>
+            <a:effectLst/>
+          </c:spPr>
+          <c:txPr>
+            <a:bodyPr rot="0" spcFirstLastPara="1" vertOverflow="ellipsis" vert="horz" wrap="square" anchor="ctr" anchorCtr="1"/>
+            <a:lstStyle/>
+            <a:p>
+              <a:pPr>
+                <a:defRPr sz="1000" b="0" i="0" u="none" strike="noStrike" kern="1200" baseline="0">
+                  <a:solidFill>
+                    <a:schemeClr val="tx1">
+                      <a:lumMod val="65000"/>
+                      <a:lumOff val="35000"/>
+                    </a:schemeClr>
+                  </a:solidFill>
+                  <a:latin typeface="+mn-lt"/>
+                  <a:ea typeface="+mn-ea"/>
+                  <a:cs typeface="+mn-cs"/>
+                </a:defRPr>
+              </a:pPr>
+              <a:endParaRPr lang="en-US"/>
+            </a:p>
+          </c:txPr>
+        </c:title>
+        <c:numFmt formatCode="General" sourceLinked="1"/>
+        <c:majorTickMark val="none"/>
+        <c:minorTickMark val="none"/>
+        <c:tickLblPos val="nextTo"/>
+        <c:spPr>
+          <a:noFill/>
+          <a:ln>
+            <a:noFill/>
+          </a:ln>
+          <a:effectLst/>
+        </c:spPr>
+        <c:txPr>
+          <a:bodyPr rot="-60000000" spcFirstLastPara="1" vertOverflow="ellipsis" vert="horz" wrap="square" anchor="ctr" anchorCtr="1"/>
+          <a:lstStyle/>
+          <a:p>
+            <a:pPr>
+              <a:defRPr sz="900" b="0" i="0" u="none" strike="noStrike" kern="1200" baseline="0">
+                <a:solidFill>
+                  <a:schemeClr val="tx1">
+                    <a:lumMod val="65000"/>
+                    <a:lumOff val="35000"/>
+                  </a:schemeClr>
+                </a:solidFill>
+                <a:latin typeface="+mn-lt"/>
+                <a:ea typeface="+mn-ea"/>
+                <a:cs typeface="+mn-cs"/>
+              </a:defRPr>
+            </a:pPr>
+            <a:endParaRPr lang="en-US"/>
+          </a:p>
+        </c:txPr>
+        <c:crossAx val="1539946559"/>
+        <c:crosses val="autoZero"/>
+        <c:crossBetween val="between"/>
+      </c:valAx>
+      <c:spPr>
+        <a:noFill/>
+        <a:ln>
+          <a:noFill/>
+        </a:ln>
+        <a:effectLst/>
+      </c:spPr>
+    </c:plotArea>
+    <c:plotVisOnly val="1"/>
+    <c:dispBlanksAs val="gap"/>
+    <c:showDLblsOverMax val="0"/>
+  </c:chart>
+  <c:spPr>
+    <a:noFill/>
+    <a:ln>
+      <a:noFill/>
+    </a:ln>
+    <a:effectLst/>
+  </c:spPr>
+  <c:txPr>
+    <a:bodyPr/>
+    <a:lstStyle/>
+    <a:p>
+      <a:pPr>
+        <a:defRPr/>
+      </a:pPr>
+      <a:endParaRPr lang="en-US"/>
+    </a:p>
+  </c:txPr>
+  <c:externalData r:id="rId3">
+    <c:autoUpdate val="0"/>
+  </c:externalData>
+</c:chartSpace>
+</file>
+
+<file path=ppt/charts/colors1.xml><?xml version="1.0" encoding="utf-8"?>
+<cs:colorStyle xmlns:cs="http://schemas.microsoft.com/office/drawing/2012/chartStyle" xmlns:a="http://schemas.openxmlformats.org/drawingml/2006/main" meth="cycle" id="10">
+  <a:schemeClr val="accent1"/>
+  <a:schemeClr val="accent2"/>
+  <a:schemeClr val="accent3"/>
+  <a:schemeClr val="accent4"/>
+  <a:schemeClr val="accent5"/>
+  <a:schemeClr val="accent6"/>
+  <cs:variation/>
+  <cs:variation>
+    <a:lumMod val="60000"/>
+  </cs:variation>
+  <cs:variation>
+    <a:lumMod val="80000"/>
+    <a:lumOff val="20000"/>
+  </cs:variation>
+  <cs:variation>
+    <a:lumMod val="80000"/>
+  </cs:variation>
+  <cs:variation>
+    <a:lumMod val="60000"/>
+    <a:lumOff val="40000"/>
+  </cs:variation>
+  <cs:variation>
+    <a:lumMod val="50000"/>
+  </cs:variation>
+  <cs:variation>
+    <a:lumMod val="70000"/>
+    <a:lumOff val="30000"/>
+  </cs:variation>
+  <cs:variation>
+    <a:lumMod val="70000"/>
+  </cs:variation>
+  <cs:variation>
+    <a:lumMod val="50000"/>
+    <a:lumOff val="50000"/>
+  </cs:variation>
+</cs:colorStyle>
+</file>
+
+<file path=ppt/charts/colors2.xml><?xml version="1.0" encoding="utf-8"?>
+<cs:colorStyle xmlns:cs="http://schemas.microsoft.com/office/drawing/2012/chartStyle" xmlns:a="http://schemas.openxmlformats.org/drawingml/2006/main" meth="cycle" id="10">
+  <a:schemeClr val="accent1"/>
+  <a:schemeClr val="accent2"/>
+  <a:schemeClr val="accent3"/>
+  <a:schemeClr val="accent4"/>
+  <a:schemeClr val="accent5"/>
+  <a:schemeClr val="accent6"/>
+  <cs:variation/>
+  <cs:variation>
+    <a:lumMod val="60000"/>
+  </cs:variation>
+  <cs:variation>
+    <a:lumMod val="80000"/>
+    <a:lumOff val="20000"/>
+  </cs:variation>
+  <cs:variation>
+    <a:lumMod val="80000"/>
+  </cs:variation>
+  <cs:variation>
+    <a:lumMod val="60000"/>
+    <a:lumOff val="40000"/>
+  </cs:variation>
+  <cs:variation>
+    <a:lumMod val="50000"/>
+  </cs:variation>
+  <cs:variation>
+    <a:lumMod val="70000"/>
+    <a:lumOff val="30000"/>
+  </cs:variation>
+  <cs:variation>
+    <a:lumMod val="70000"/>
+  </cs:variation>
+  <cs:variation>
+    <a:lumMod val="50000"/>
+    <a:lumOff val="50000"/>
+  </cs:variation>
+</cs:colorStyle>
+</file>
+
+<file path=ppt/charts/style1.xml><?xml version="1.0" encoding="utf-8"?>
+<cs:chartStyle xmlns:cs="http://schemas.microsoft.com/office/drawing/2012/chartStyle" xmlns:a="http://schemas.openxmlformats.org/drawingml/2006/main" id="216">
+  <cs:axisTitle>
+    <cs:lnRef idx="0"/>
+    <cs:fillRef idx="0"/>
+    <cs:effectRef idx="0"/>
+    <cs:fontRef idx="minor">
+      <a:schemeClr val="tx1">
+        <a:lumMod val="65000"/>
+        <a:lumOff val="35000"/>
+      </a:schemeClr>
+    </cs:fontRef>
+    <cs:defRPr sz="1000" kern="1200"/>
+  </cs:axisTitle>
+  <cs:categoryAxis>
+    <cs:lnRef idx="0"/>
+    <cs:fillRef idx="0"/>
+    <cs:effectRef idx="0"/>
+    <cs:fontRef idx="minor">
+      <a:schemeClr val="tx1">
+        <a:lumMod val="65000"/>
+        <a:lumOff val="35000"/>
+      </a:schemeClr>
+    </cs:fontRef>
+    <cs:spPr>
+      <a:ln w="9525" cap="flat" cmpd="sng" algn="ctr">
+        <a:solidFill>
+          <a:schemeClr val="tx1">
+            <a:lumMod val="15000"/>
+            <a:lumOff val="85000"/>
+          </a:schemeClr>
+        </a:solidFill>
+        <a:round/>
+      </a:ln>
+    </cs:spPr>
+    <cs:defRPr sz="900" kern="1200"/>
+  </cs:categoryAxis>
+  <cs:chartArea mods="allowNoFillOverride allowNoLineOverride">
+    <cs:lnRef idx="0"/>
+    <cs:fillRef idx="0"/>
+    <cs:effectRef idx="0"/>
+    <cs:fontRef idx="minor">
+      <a:schemeClr val="tx1"/>
+    </cs:fontRef>
+    <cs:spPr>
+      <a:solidFill>
+        <a:schemeClr val="bg1"/>
+      </a:solidFill>
+      <a:ln w="9525" cap="flat" cmpd="sng" algn="ctr">
+        <a:solidFill>
+          <a:schemeClr val="tx1">
+            <a:lumMod val="15000"/>
+            <a:lumOff val="85000"/>
+          </a:schemeClr>
+        </a:solidFill>
+        <a:round/>
+      </a:ln>
+    </cs:spPr>
+    <cs:defRPr sz="1000" kern="1200"/>
+  </cs:chartArea>
+  <cs:dataLabel>
+    <cs:lnRef idx="0"/>
+    <cs:fillRef idx="0"/>
+    <cs:effectRef idx="0"/>
+    <cs:fontRef idx="minor">
+      <a:schemeClr val="tx1">
+        <a:lumMod val="75000"/>
+        <a:lumOff val="25000"/>
+      </a:schemeClr>
+    </cs:fontRef>
+    <cs:defRPr sz="900" kern="1200"/>
+  </cs:dataLabel>
+  <cs:dataLabelCallout>
+    <cs:lnRef idx="0"/>
+    <cs:fillRef idx="0"/>
+    <cs:effectRef idx="0"/>
+    <cs:fontRef idx="minor">
+      <a:schemeClr val="dk1">
+        <a:lumMod val="65000"/>
+        <a:lumOff val="35000"/>
+      </a:schemeClr>
+    </cs:fontRef>
+    <cs:spPr>
+      <a:solidFill>
+        <a:schemeClr val="lt1"/>
+      </a:solidFill>
+      <a:ln>
+        <a:solidFill>
+          <a:schemeClr val="dk1">
+            <a:lumMod val="25000"/>
+            <a:lumOff val="75000"/>
+          </a:schemeClr>
+        </a:solidFill>
+      </a:ln>
+    </cs:spPr>
+    <cs:defRPr sz="900" kern="1200"/>
+    <cs:bodyPr rot="0" spcFirstLastPara="1" vertOverflow="clip" horzOverflow="clip" vert="horz" wrap="square" lIns="36576" tIns="18288" rIns="36576" bIns="18288" anchor="ctr" anchorCtr="1">
+      <a:spAutoFit/>
+    </cs:bodyPr>
+  </cs:dataLabelCallout>
+  <cs:dataPoint>
+    <cs:lnRef idx="0"/>
+    <cs:fillRef idx="1">
+      <cs:styleClr val="auto"/>
+    </cs:fillRef>
+    <cs:effectRef idx="0"/>
+    <cs:fontRef idx="minor">
+      <a:schemeClr val="tx1"/>
+    </cs:fontRef>
+  </cs:dataPoint>
+  <cs:dataPoint3D>
+    <cs:lnRef idx="0"/>
+    <cs:fillRef idx="1">
+      <cs:styleClr val="auto"/>
+    </cs:fillRef>
+    <cs:effectRef idx="0"/>
+    <cs:fontRef idx="minor">
+      <a:schemeClr val="tx1"/>
+    </cs:fontRef>
+  </cs:dataPoint3D>
+  <cs:dataPointLine>
+    <cs:lnRef idx="0">
+      <cs:styleClr val="auto"/>
+    </cs:lnRef>
+    <cs:fillRef idx="1"/>
+    <cs:effectRef idx="0"/>
+    <cs:fontRef idx="minor">
+      <a:schemeClr val="tx1"/>
+    </cs:fontRef>
+    <cs:spPr>
+      <a:ln w="28575" cap="rnd">
+        <a:solidFill>
+          <a:schemeClr val="phClr"/>
+        </a:solidFill>
+        <a:round/>
+      </a:ln>
+    </cs:spPr>
+  </cs:dataPointLine>
+  <cs:dataPointMarker>
+    <cs:lnRef idx="0">
+      <cs:styleClr val="auto"/>
+    </cs:lnRef>
+    <cs:fillRef idx="1">
+      <cs:styleClr val="auto"/>
+    </cs:fillRef>
+    <cs:effectRef idx="0"/>
+    <cs:fontRef idx="minor">
+      <a:schemeClr val="tx1"/>
+    </cs:fontRef>
+    <cs:spPr>
+      <a:ln w="9525">
+        <a:solidFill>
+          <a:schemeClr val="phClr"/>
+        </a:solidFill>
+      </a:ln>
+    </cs:spPr>
+  </cs:dataPointMarker>
+  <cs:dataPointMarkerLayout symbol="circle" size="5"/>
+  <cs:dataPointWireframe>
+    <cs:lnRef idx="0">
+      <cs:styleClr val="auto"/>
+    </cs:lnRef>
+    <cs:fillRef idx="1"/>
+    <cs:effectRef idx="0"/>
+    <cs:fontRef idx="minor">
+      <a:schemeClr val="tx1"/>
+    </cs:fontRef>
+    <cs:spPr>
+      <a:ln w="9525" cap="rnd">
+        <a:solidFill>
+          <a:schemeClr val="phClr"/>
+        </a:solidFill>
+        <a:round/>
+      </a:ln>
+    </cs:spPr>
+  </cs:dataPointWireframe>
+  <cs:dataTable>
+    <cs:lnRef idx="0"/>
+    <cs:fillRef idx="0"/>
+    <cs:effectRef idx="0"/>
+    <cs:fontRef idx="minor">
+      <a:schemeClr val="tx1">
+        <a:lumMod val="65000"/>
+        <a:lumOff val="35000"/>
+      </a:schemeClr>
+    </cs:fontRef>
+    <cs:spPr>
+      <a:noFill/>
+      <a:ln w="9525" cap="flat" cmpd="sng" algn="ctr">
+        <a:solidFill>
+          <a:schemeClr val="tx1">
+            <a:lumMod val="15000"/>
+            <a:lumOff val="85000"/>
+          </a:schemeClr>
+        </a:solidFill>
+        <a:round/>
+      </a:ln>
+    </cs:spPr>
+    <cs:defRPr sz="900" kern="1200"/>
+  </cs:dataTable>
+  <cs:downBar>
+    <cs:lnRef idx="0"/>
+    <cs:fillRef idx="0"/>
+    <cs:effectRef idx="0"/>
+    <cs:fontRef idx="minor">
+      <a:schemeClr val="tx1"/>
+    </cs:fontRef>
+    <cs:spPr>
+      <a:solidFill>
+        <a:schemeClr val="dk1">
+          <a:lumMod val="75000"/>
+          <a:lumOff val="25000"/>
+        </a:schemeClr>
+      </a:solidFill>
+      <a:ln w="9525" cap="flat" cmpd="sng" algn="ctr">
+        <a:solidFill>
+          <a:schemeClr val="tx1">
+            <a:lumMod val="65000"/>
+            <a:lumOff val="35000"/>
+          </a:schemeClr>
+        </a:solidFill>
+        <a:round/>
+      </a:ln>
+    </cs:spPr>
+  </cs:downBar>
+  <cs:dropLine>
+    <cs:lnRef idx="0"/>
+    <cs:fillRef idx="0"/>
+    <cs:effectRef idx="0"/>
+    <cs:fontRef idx="minor">
+      <a:schemeClr val="tx1"/>
+    </cs:fontRef>
+    <cs:spPr>
+      <a:ln w="9525" cap="flat" cmpd="sng" algn="ctr">
+        <a:solidFill>
+          <a:schemeClr val="tx1">
+            <a:lumMod val="35000"/>
+            <a:lumOff val="65000"/>
+          </a:schemeClr>
+        </a:solidFill>
+        <a:round/>
+      </a:ln>
+    </cs:spPr>
+  </cs:dropLine>
+  <cs:errorBar>
+    <cs:lnRef idx="0"/>
+    <cs:fillRef idx="0"/>
+    <cs:effectRef idx="0"/>
+    <cs:fontRef idx="minor">
+      <a:schemeClr val="tx1"/>
+    </cs:fontRef>
+    <cs:spPr>
+      <a:ln w="9525" cap="flat" cmpd="sng" algn="ctr">
+        <a:solidFill>
+          <a:schemeClr val="tx1">
+            <a:lumMod val="65000"/>
+            <a:lumOff val="35000"/>
+          </a:schemeClr>
+        </a:solidFill>
+        <a:round/>
+      </a:ln>
+    </cs:spPr>
+  </cs:errorBar>
+  <cs:floor>
+    <cs:lnRef idx="0"/>
+    <cs:fillRef idx="0"/>
+    <cs:effectRef idx="0"/>
+    <cs:fontRef idx="minor">
+      <a:schemeClr val="tx1"/>
+    </cs:fontRef>
+    <cs:spPr>
+      <a:noFill/>
+      <a:ln>
+        <a:noFill/>
+      </a:ln>
+    </cs:spPr>
+  </cs:floor>
+  <cs:gridlineMajor>
+    <cs:lnRef idx="0"/>
+    <cs:fillRef idx="0"/>
+    <cs:effectRef idx="0"/>
+    <cs:fontRef idx="minor">
+      <a:schemeClr val="tx1"/>
+    </cs:fontRef>
+    <cs:spPr>
+      <a:ln w="9525" cap="flat" cmpd="sng" algn="ctr">
+        <a:solidFill>
+          <a:schemeClr val="tx1">
+            <a:lumMod val="15000"/>
+            <a:lumOff val="85000"/>
+          </a:schemeClr>
+        </a:solidFill>
+        <a:round/>
+      </a:ln>
+    </cs:spPr>
+  </cs:gridlineMajor>
+  <cs:gridlineMinor>
+    <cs:lnRef idx="0"/>
+    <cs:fillRef idx="0"/>
+    <cs:effectRef idx="0"/>
+    <cs:fontRef idx="minor">
+      <a:schemeClr val="tx1"/>
+    </cs:fontRef>
+    <cs:spPr>
+      <a:ln w="9525" cap="flat" cmpd="sng" algn="ctr">
+        <a:solidFill>
+          <a:schemeClr val="tx1">
+            <a:lumMod val="5000"/>
+            <a:lumOff val="95000"/>
+          </a:schemeClr>
+        </a:solidFill>
+        <a:round/>
+      </a:ln>
+    </cs:spPr>
+  </cs:gridlineMinor>
+  <cs:hiLoLine>
+    <cs:lnRef idx="0"/>
+    <cs:fillRef idx="0"/>
+    <cs:effectRef idx="0"/>
+    <cs:fontRef idx="minor">
+      <a:schemeClr val="tx1"/>
+    </cs:fontRef>
+    <cs:spPr>
+      <a:ln w="9525" cap="flat" cmpd="sng" algn="ctr">
+        <a:solidFill>
+          <a:schemeClr val="tx1">
+            <a:lumMod val="50000"/>
+            <a:lumOff val="50000"/>
+          </a:schemeClr>
+        </a:solidFill>
+        <a:round/>
+      </a:ln>
+    </cs:spPr>
+  </cs:hiLoLine>
+  <cs:leaderLine>
+    <cs:lnRef idx="0"/>
+    <cs:fillRef idx="0"/>
+    <cs:effectRef idx="0"/>
+    <cs:fontRef idx="minor">
+      <a:schemeClr val="tx1"/>
+    </cs:fontRef>
+    <cs:spPr>
+      <a:ln w="9525" cap="flat" cmpd="sng" algn="ctr">
+        <a:solidFill>
+          <a:schemeClr val="tx1">
+            <a:lumMod val="35000"/>
+            <a:lumOff val="65000"/>
+          </a:schemeClr>
+        </a:solidFill>
+        <a:round/>
+      </a:ln>
+    </cs:spPr>
+  </cs:leaderLine>
+  <cs:legend>
+    <cs:lnRef idx="0"/>
+    <cs:fillRef idx="0"/>
+    <cs:effectRef idx="0"/>
+    <cs:fontRef idx="minor">
+      <a:schemeClr val="tx1">
+        <a:lumMod val="65000"/>
+        <a:lumOff val="35000"/>
+      </a:schemeClr>
+    </cs:fontRef>
+    <cs:defRPr sz="900" kern="1200"/>
+  </cs:legend>
+  <cs:plotArea mods="allowNoFillOverride allowNoLineOverride">
+    <cs:lnRef idx="0"/>
+    <cs:fillRef idx="0"/>
+    <cs:effectRef idx="0"/>
+    <cs:fontRef idx="minor">
+      <a:schemeClr val="tx1"/>
+    </cs:fontRef>
+  </cs:plotArea>
+  <cs:plotArea3D mods="allowNoFillOverride allowNoLineOverride">
+    <cs:lnRef idx="0"/>
+    <cs:fillRef idx="0"/>
+    <cs:effectRef idx="0"/>
+    <cs:fontRef idx="minor">
+      <a:schemeClr val="tx1"/>
+    </cs:fontRef>
+  </cs:plotArea3D>
+  <cs:seriesAxis>
+    <cs:lnRef idx="0"/>
+    <cs:fillRef idx="0"/>
+    <cs:effectRef idx="0"/>
+    <cs:fontRef idx="minor">
+      <a:schemeClr val="tx1">
+        <a:lumMod val="65000"/>
+        <a:lumOff val="35000"/>
+      </a:schemeClr>
+    </cs:fontRef>
+    <cs:defRPr sz="900" kern="1200"/>
+  </cs:seriesAxis>
+  <cs:seriesLine>
+    <cs:lnRef idx="0"/>
+    <cs:fillRef idx="0"/>
+    <cs:effectRef idx="0"/>
+    <cs:fontRef idx="minor">
+      <a:schemeClr val="tx1"/>
+    </cs:fontRef>
+    <cs:spPr>
+      <a:ln w="9525" cap="flat" cmpd="sng" algn="ctr">
+        <a:solidFill>
+          <a:schemeClr val="tx1">
+            <a:lumMod val="35000"/>
+            <a:lumOff val="65000"/>
+          </a:schemeClr>
+        </a:solidFill>
+        <a:round/>
+      </a:ln>
+    </cs:spPr>
+  </cs:seriesLine>
+  <cs:title>
+    <cs:lnRef idx="0"/>
+    <cs:fillRef idx="0"/>
+    <cs:effectRef idx="0"/>
+    <cs:fontRef idx="minor">
+      <a:schemeClr val="tx1">
+        <a:lumMod val="65000"/>
+        <a:lumOff val="35000"/>
+      </a:schemeClr>
+    </cs:fontRef>
+    <cs:defRPr sz="1400" b="0" kern="1200" spc="0" baseline="0"/>
+  </cs:title>
+  <cs:trendline>
+    <cs:lnRef idx="0">
+      <cs:styleClr val="auto"/>
+    </cs:lnRef>
+    <cs:fillRef idx="0"/>
+    <cs:effectRef idx="0"/>
+    <cs:fontRef idx="minor">
+      <a:schemeClr val="tx1"/>
+    </cs:fontRef>
+    <cs:spPr>
+      <a:ln w="19050" cap="rnd">
+        <a:solidFill>
+          <a:schemeClr val="phClr"/>
+        </a:solidFill>
+        <a:prstDash val="sysDot"/>
+      </a:ln>
+    </cs:spPr>
+  </cs:trendline>
+  <cs:trendlineLabel>
+    <cs:lnRef idx="0"/>
+    <cs:fillRef idx="0"/>
+    <cs:effectRef idx="0"/>
+    <cs:fontRef idx="minor">
+      <a:schemeClr val="tx1">
+        <a:lumMod val="65000"/>
+        <a:lumOff val="35000"/>
+      </a:schemeClr>
+    </cs:fontRef>
+    <cs:defRPr sz="900" kern="1200"/>
+  </cs:trendlineLabel>
+  <cs:upBar>
+    <cs:lnRef idx="0"/>
+    <cs:fillRef idx="0"/>
+    <cs:effectRef idx="0"/>
+    <cs:fontRef idx="minor">
+      <a:schemeClr val="tx1"/>
+    </cs:fontRef>
+    <cs:spPr>
+      <a:solidFill>
+        <a:schemeClr val="lt1"/>
+      </a:solidFill>
+      <a:ln w="9525" cap="flat" cmpd="sng" algn="ctr">
+        <a:solidFill>
+          <a:schemeClr val="tx1">
+            <a:lumMod val="65000"/>
+            <a:lumOff val="35000"/>
+          </a:schemeClr>
+        </a:solidFill>
+        <a:round/>
+      </a:ln>
+    </cs:spPr>
+  </cs:upBar>
+  <cs:valueAxis>
+    <cs:lnRef idx="0"/>
+    <cs:fillRef idx="0"/>
+    <cs:effectRef idx="0"/>
+    <cs:fontRef idx="minor">
+      <a:schemeClr val="tx1">
+        <a:lumMod val="65000"/>
+        <a:lumOff val="35000"/>
+      </a:schemeClr>
+    </cs:fontRef>
+    <cs:defRPr sz="900" kern="1200"/>
+  </cs:valueAxis>
+  <cs:wall>
+    <cs:lnRef idx="0"/>
+    <cs:fillRef idx="0"/>
+    <cs:effectRef idx="0"/>
+    <cs:fontRef idx="minor">
+      <a:schemeClr val="tx1"/>
+    </cs:fontRef>
+    <cs:spPr>
+      <a:noFill/>
+      <a:ln>
+        <a:noFill/>
+      </a:ln>
+    </cs:spPr>
+  </cs:wall>
+</cs:chartStyle>
+</file>
+
+<file path=ppt/charts/style2.xml><?xml version="1.0" encoding="utf-8"?>
+<cs:chartStyle xmlns:cs="http://schemas.microsoft.com/office/drawing/2012/chartStyle" xmlns:a="http://schemas.openxmlformats.org/drawingml/2006/main" id="216">
+  <cs:axisTitle>
+    <cs:lnRef idx="0"/>
+    <cs:fillRef idx="0"/>
+    <cs:effectRef idx="0"/>
+    <cs:fontRef idx="minor">
+      <a:schemeClr val="tx1">
+        <a:lumMod val="65000"/>
+        <a:lumOff val="35000"/>
+      </a:schemeClr>
+    </cs:fontRef>
+    <cs:defRPr sz="1000" kern="1200"/>
+  </cs:axisTitle>
+  <cs:categoryAxis>
+    <cs:lnRef idx="0"/>
+    <cs:fillRef idx="0"/>
+    <cs:effectRef idx="0"/>
+    <cs:fontRef idx="minor">
+      <a:schemeClr val="tx1">
+        <a:lumMod val="65000"/>
+        <a:lumOff val="35000"/>
+      </a:schemeClr>
+    </cs:fontRef>
+    <cs:spPr>
+      <a:ln w="9525" cap="flat" cmpd="sng" algn="ctr">
+        <a:solidFill>
+          <a:schemeClr val="tx1">
+            <a:lumMod val="15000"/>
+            <a:lumOff val="85000"/>
+          </a:schemeClr>
+        </a:solidFill>
+        <a:round/>
+      </a:ln>
+    </cs:spPr>
+    <cs:defRPr sz="900" kern="1200"/>
+  </cs:categoryAxis>
+  <cs:chartArea mods="allowNoFillOverride allowNoLineOverride">
+    <cs:lnRef idx="0"/>
+    <cs:fillRef idx="0"/>
+    <cs:effectRef idx="0"/>
+    <cs:fontRef idx="minor">
+      <a:schemeClr val="tx1"/>
+    </cs:fontRef>
+    <cs:spPr>
+      <a:solidFill>
+        <a:schemeClr val="bg1"/>
+      </a:solidFill>
+      <a:ln w="9525" cap="flat" cmpd="sng" algn="ctr">
+        <a:solidFill>
+          <a:schemeClr val="tx1">
+            <a:lumMod val="15000"/>
+            <a:lumOff val="85000"/>
+          </a:schemeClr>
+        </a:solidFill>
+        <a:round/>
+      </a:ln>
+    </cs:spPr>
+    <cs:defRPr sz="1000" kern="1200"/>
+  </cs:chartArea>
+  <cs:dataLabel>
+    <cs:lnRef idx="0"/>
+    <cs:fillRef idx="0"/>
+    <cs:effectRef idx="0"/>
+    <cs:fontRef idx="minor">
+      <a:schemeClr val="tx1">
+        <a:lumMod val="75000"/>
+        <a:lumOff val="25000"/>
+      </a:schemeClr>
+    </cs:fontRef>
+    <cs:defRPr sz="900" kern="1200"/>
+  </cs:dataLabel>
+  <cs:dataLabelCallout>
+    <cs:lnRef idx="0"/>
+    <cs:fillRef idx="0"/>
+    <cs:effectRef idx="0"/>
+    <cs:fontRef idx="minor">
+      <a:schemeClr val="dk1">
+        <a:lumMod val="65000"/>
+        <a:lumOff val="35000"/>
+      </a:schemeClr>
+    </cs:fontRef>
+    <cs:spPr>
+      <a:solidFill>
+        <a:schemeClr val="lt1"/>
+      </a:solidFill>
+      <a:ln>
+        <a:solidFill>
+          <a:schemeClr val="dk1">
+            <a:lumMod val="25000"/>
+            <a:lumOff val="75000"/>
+          </a:schemeClr>
+        </a:solidFill>
+      </a:ln>
+    </cs:spPr>
+    <cs:defRPr sz="900" kern="1200"/>
+    <cs:bodyPr rot="0" spcFirstLastPara="1" vertOverflow="clip" horzOverflow="clip" vert="horz" wrap="square" lIns="36576" tIns="18288" rIns="36576" bIns="18288" anchor="ctr" anchorCtr="1">
+      <a:spAutoFit/>
+    </cs:bodyPr>
+  </cs:dataLabelCallout>
+  <cs:dataPoint>
+    <cs:lnRef idx="0"/>
+    <cs:fillRef idx="1">
+      <cs:styleClr val="auto"/>
+    </cs:fillRef>
+    <cs:effectRef idx="0"/>
+    <cs:fontRef idx="minor">
+      <a:schemeClr val="tx1"/>
+    </cs:fontRef>
+  </cs:dataPoint>
+  <cs:dataPoint3D>
+    <cs:lnRef idx="0"/>
+    <cs:fillRef idx="1">
+      <cs:styleClr val="auto"/>
+    </cs:fillRef>
+    <cs:effectRef idx="0"/>
+    <cs:fontRef idx="minor">
+      <a:schemeClr val="tx1"/>
+    </cs:fontRef>
+  </cs:dataPoint3D>
+  <cs:dataPointLine>
+    <cs:lnRef idx="0">
+      <cs:styleClr val="auto"/>
+    </cs:lnRef>
+    <cs:fillRef idx="1"/>
+    <cs:effectRef idx="0"/>
+    <cs:fontRef idx="minor">
+      <a:schemeClr val="tx1"/>
+    </cs:fontRef>
+    <cs:spPr>
+      <a:ln w="28575" cap="rnd">
+        <a:solidFill>
+          <a:schemeClr val="phClr"/>
+        </a:solidFill>
+        <a:round/>
+      </a:ln>
+    </cs:spPr>
+  </cs:dataPointLine>
+  <cs:dataPointMarker>
+    <cs:lnRef idx="0">
+      <cs:styleClr val="auto"/>
+    </cs:lnRef>
+    <cs:fillRef idx="1">
+      <cs:styleClr val="auto"/>
+    </cs:fillRef>
+    <cs:effectRef idx="0"/>
+    <cs:fontRef idx="minor">
+      <a:schemeClr val="tx1"/>
+    </cs:fontRef>
+    <cs:spPr>
+      <a:ln w="9525">
+        <a:solidFill>
+          <a:schemeClr val="phClr"/>
+        </a:solidFill>
+      </a:ln>
+    </cs:spPr>
+  </cs:dataPointMarker>
+  <cs:dataPointMarkerLayout symbol="circle" size="5"/>
+  <cs:dataPointWireframe>
+    <cs:lnRef idx="0">
+      <cs:styleClr val="auto"/>
+    </cs:lnRef>
+    <cs:fillRef idx="1"/>
+    <cs:effectRef idx="0"/>
+    <cs:fontRef idx="minor">
+      <a:schemeClr val="tx1"/>
+    </cs:fontRef>
+    <cs:spPr>
+      <a:ln w="9525" cap="rnd">
+        <a:solidFill>
+          <a:schemeClr val="phClr"/>
+        </a:solidFill>
+        <a:round/>
+      </a:ln>
+    </cs:spPr>
+  </cs:dataPointWireframe>
+  <cs:dataTable>
+    <cs:lnRef idx="0"/>
+    <cs:fillRef idx="0"/>
+    <cs:effectRef idx="0"/>
+    <cs:fontRef idx="minor">
+      <a:schemeClr val="tx1">
+        <a:lumMod val="65000"/>
+        <a:lumOff val="35000"/>
+      </a:schemeClr>
+    </cs:fontRef>
+    <cs:spPr>
+      <a:noFill/>
+      <a:ln w="9525" cap="flat" cmpd="sng" algn="ctr">
+        <a:solidFill>
+          <a:schemeClr val="tx1">
+            <a:lumMod val="15000"/>
+            <a:lumOff val="85000"/>
+          </a:schemeClr>
+        </a:solidFill>
+        <a:round/>
+      </a:ln>
+    </cs:spPr>
+    <cs:defRPr sz="900" kern="1200"/>
+  </cs:dataTable>
+  <cs:downBar>
+    <cs:lnRef idx="0"/>
+    <cs:fillRef idx="0"/>
+    <cs:effectRef idx="0"/>
+    <cs:fontRef idx="minor">
+      <a:schemeClr val="tx1"/>
+    </cs:fontRef>
+    <cs:spPr>
+      <a:solidFill>
+        <a:schemeClr val="dk1">
+          <a:lumMod val="75000"/>
+          <a:lumOff val="25000"/>
+        </a:schemeClr>
+      </a:solidFill>
+      <a:ln w="9525" cap="flat" cmpd="sng" algn="ctr">
+        <a:solidFill>
+          <a:schemeClr val="tx1">
+            <a:lumMod val="65000"/>
+            <a:lumOff val="35000"/>
+          </a:schemeClr>
+        </a:solidFill>
+        <a:round/>
+      </a:ln>
+    </cs:spPr>
+  </cs:downBar>
+  <cs:dropLine>
+    <cs:lnRef idx="0"/>
+    <cs:fillRef idx="0"/>
+    <cs:effectRef idx="0"/>
+    <cs:fontRef idx="minor">
+      <a:schemeClr val="tx1"/>
+    </cs:fontRef>
+    <cs:spPr>
+      <a:ln w="9525" cap="flat" cmpd="sng" algn="ctr">
+        <a:solidFill>
+          <a:schemeClr val="tx1">
+            <a:lumMod val="35000"/>
+            <a:lumOff val="65000"/>
+          </a:schemeClr>
+        </a:solidFill>
+        <a:round/>
+      </a:ln>
+    </cs:spPr>
+  </cs:dropLine>
+  <cs:errorBar>
+    <cs:lnRef idx="0"/>
+    <cs:fillRef idx="0"/>
+    <cs:effectRef idx="0"/>
+    <cs:fontRef idx="minor">
+      <a:schemeClr val="tx1"/>
+    </cs:fontRef>
+    <cs:spPr>
+      <a:ln w="9525" cap="flat" cmpd="sng" algn="ctr">
+        <a:solidFill>
+          <a:schemeClr val="tx1">
+            <a:lumMod val="65000"/>
+            <a:lumOff val="35000"/>
+          </a:schemeClr>
+        </a:solidFill>
+        <a:round/>
+      </a:ln>
+    </cs:spPr>
+  </cs:errorBar>
+  <cs:floor>
+    <cs:lnRef idx="0"/>
+    <cs:fillRef idx="0"/>
+    <cs:effectRef idx="0"/>
+    <cs:fontRef idx="minor">
+      <a:schemeClr val="tx1"/>
+    </cs:fontRef>
+    <cs:spPr>
+      <a:noFill/>
+      <a:ln>
+        <a:noFill/>
+      </a:ln>
+    </cs:spPr>
+  </cs:floor>
+  <cs:gridlineMajor>
+    <cs:lnRef idx="0"/>
+    <cs:fillRef idx="0"/>
+    <cs:effectRef idx="0"/>
+    <cs:fontRef idx="minor">
+      <a:schemeClr val="tx1"/>
+    </cs:fontRef>
+    <cs:spPr>
+      <a:ln w="9525" cap="flat" cmpd="sng" algn="ctr">
+        <a:solidFill>
+          <a:schemeClr val="tx1">
+            <a:lumMod val="15000"/>
+            <a:lumOff val="85000"/>
+          </a:schemeClr>
+        </a:solidFill>
+        <a:round/>
+      </a:ln>
+    </cs:spPr>
+  </cs:gridlineMajor>
+  <cs:gridlineMinor>
+    <cs:lnRef idx="0"/>
+    <cs:fillRef idx="0"/>
+    <cs:effectRef idx="0"/>
+    <cs:fontRef idx="minor">
+      <a:schemeClr val="tx1"/>
+    </cs:fontRef>
+    <cs:spPr>
+      <a:ln w="9525" cap="flat" cmpd="sng" algn="ctr">
+        <a:solidFill>
+          <a:schemeClr val="tx1">
+            <a:lumMod val="5000"/>
+            <a:lumOff val="95000"/>
+          </a:schemeClr>
+        </a:solidFill>
+        <a:round/>
+      </a:ln>
+    </cs:spPr>
+  </cs:gridlineMinor>
+  <cs:hiLoLine>
+    <cs:lnRef idx="0"/>
+    <cs:fillRef idx="0"/>
+    <cs:effectRef idx="0"/>
+    <cs:fontRef idx="minor">
+      <a:schemeClr val="tx1"/>
+    </cs:fontRef>
+    <cs:spPr>
+      <a:ln w="9525" cap="flat" cmpd="sng" algn="ctr">
+        <a:solidFill>
+          <a:schemeClr val="tx1">
+            <a:lumMod val="50000"/>
+            <a:lumOff val="50000"/>
+          </a:schemeClr>
+        </a:solidFill>
+        <a:round/>
+      </a:ln>
+    </cs:spPr>
+  </cs:hiLoLine>
+  <cs:leaderLine>
+    <cs:lnRef idx="0"/>
+    <cs:fillRef idx="0"/>
+    <cs:effectRef idx="0"/>
+    <cs:fontRef idx="minor">
+      <a:schemeClr val="tx1"/>
+    </cs:fontRef>
+    <cs:spPr>
+      <a:ln w="9525" cap="flat" cmpd="sng" algn="ctr">
+        <a:solidFill>
+          <a:schemeClr val="tx1">
+            <a:lumMod val="35000"/>
+            <a:lumOff val="65000"/>
+          </a:schemeClr>
+        </a:solidFill>
+        <a:round/>
+      </a:ln>
+    </cs:spPr>
+  </cs:leaderLine>
+  <cs:legend>
+    <cs:lnRef idx="0"/>
+    <cs:fillRef idx="0"/>
+    <cs:effectRef idx="0"/>
+    <cs:fontRef idx="minor">
+      <a:schemeClr val="tx1">
+        <a:lumMod val="65000"/>
+        <a:lumOff val="35000"/>
+      </a:schemeClr>
+    </cs:fontRef>
+    <cs:defRPr sz="900" kern="1200"/>
+  </cs:legend>
+  <cs:plotArea mods="allowNoFillOverride allowNoLineOverride">
+    <cs:lnRef idx="0"/>
+    <cs:fillRef idx="0"/>
+    <cs:effectRef idx="0"/>
+    <cs:fontRef idx="minor">
+      <a:schemeClr val="tx1"/>
+    </cs:fontRef>
+  </cs:plotArea>
+  <cs:plotArea3D mods="allowNoFillOverride allowNoLineOverride">
+    <cs:lnRef idx="0"/>
+    <cs:fillRef idx="0"/>
+    <cs:effectRef idx="0"/>
+    <cs:fontRef idx="minor">
+      <a:schemeClr val="tx1"/>
+    </cs:fontRef>
+  </cs:plotArea3D>
+  <cs:seriesAxis>
+    <cs:lnRef idx="0"/>
+    <cs:fillRef idx="0"/>
+    <cs:effectRef idx="0"/>
+    <cs:fontRef idx="minor">
+      <a:schemeClr val="tx1">
+        <a:lumMod val="65000"/>
+        <a:lumOff val="35000"/>
+      </a:schemeClr>
+    </cs:fontRef>
+    <cs:defRPr sz="900" kern="1200"/>
+  </cs:seriesAxis>
+  <cs:seriesLine>
+    <cs:lnRef idx="0"/>
+    <cs:fillRef idx="0"/>
+    <cs:effectRef idx="0"/>
+    <cs:fontRef idx="minor">
+      <a:schemeClr val="tx1"/>
+    </cs:fontRef>
+    <cs:spPr>
+      <a:ln w="9525" cap="flat" cmpd="sng" algn="ctr">
+        <a:solidFill>
+          <a:schemeClr val="tx1">
+            <a:lumMod val="35000"/>
+            <a:lumOff val="65000"/>
+          </a:schemeClr>
+        </a:solidFill>
+        <a:round/>
+      </a:ln>
+    </cs:spPr>
+  </cs:seriesLine>
+  <cs:title>
+    <cs:lnRef idx="0"/>
+    <cs:fillRef idx="0"/>
+    <cs:effectRef idx="0"/>
+    <cs:fontRef idx="minor">
+      <a:schemeClr val="tx1">
+        <a:lumMod val="65000"/>
+        <a:lumOff val="35000"/>
+      </a:schemeClr>
+    </cs:fontRef>
+    <cs:defRPr sz="1400" b="0" kern="1200" spc="0" baseline="0"/>
+  </cs:title>
+  <cs:trendline>
+    <cs:lnRef idx="0">
+      <cs:styleClr val="auto"/>
+    </cs:lnRef>
+    <cs:fillRef idx="0"/>
+    <cs:effectRef idx="0"/>
+    <cs:fontRef idx="minor">
+      <a:schemeClr val="tx1"/>
+    </cs:fontRef>
+    <cs:spPr>
+      <a:ln w="19050" cap="rnd">
+        <a:solidFill>
+          <a:schemeClr val="phClr"/>
+        </a:solidFill>
+        <a:prstDash val="sysDot"/>
+      </a:ln>
+    </cs:spPr>
+  </cs:trendline>
+  <cs:trendlineLabel>
+    <cs:lnRef idx="0"/>
+    <cs:fillRef idx="0"/>
+    <cs:effectRef idx="0"/>
+    <cs:fontRef idx="minor">
+      <a:schemeClr val="tx1">
+        <a:lumMod val="65000"/>
+        <a:lumOff val="35000"/>
+      </a:schemeClr>
+    </cs:fontRef>
+    <cs:defRPr sz="900" kern="1200"/>
+  </cs:trendlineLabel>
+  <cs:upBar>
+    <cs:lnRef idx="0"/>
+    <cs:fillRef idx="0"/>
+    <cs:effectRef idx="0"/>
+    <cs:fontRef idx="minor">
+      <a:schemeClr val="tx1"/>
+    </cs:fontRef>
+    <cs:spPr>
+      <a:solidFill>
+        <a:schemeClr val="lt1"/>
+      </a:solidFill>
+      <a:ln w="9525" cap="flat" cmpd="sng" algn="ctr">
+        <a:solidFill>
+          <a:schemeClr val="tx1">
+            <a:lumMod val="65000"/>
+            <a:lumOff val="35000"/>
+          </a:schemeClr>
+        </a:solidFill>
+        <a:round/>
+      </a:ln>
+    </cs:spPr>
+  </cs:upBar>
+  <cs:valueAxis>
+    <cs:lnRef idx="0"/>
+    <cs:fillRef idx="0"/>
+    <cs:effectRef idx="0"/>
+    <cs:fontRef idx="minor">
+      <a:schemeClr val="tx1">
+        <a:lumMod val="65000"/>
+        <a:lumOff val="35000"/>
+      </a:schemeClr>
+    </cs:fontRef>
+    <cs:defRPr sz="900" kern="1200"/>
+  </cs:valueAxis>
+  <cs:wall>
+    <cs:lnRef idx="0"/>
+    <cs:fillRef idx="0"/>
+    <cs:effectRef idx="0"/>
+    <cs:fontRef idx="minor">
+      <a:schemeClr val="tx1"/>
+    </cs:fontRef>
+    <cs:spPr>
+      <a:noFill/>
+      <a:ln>
+        <a:noFill/>
+      </a:ln>
+    </cs:spPr>
+  </cs:wall>
+</cs:chartStyle>
+</file>
+
 <file path=ppt/slideLayouts/slideLayout1.xml><?xml version="1.0" encoding="utf-8"?>
 <p:sldLayout xmlns:a="http://schemas.openxmlformats.org/drawingml/2006/main" xmlns:r="http://schemas.openxmlformats.org/officeDocument/2006/relationships" xmlns:p="http://schemas.openxmlformats.org/presentationml/2006/main" type="title" preserve="1">
   <p:cSld name="Title Slide">
@@ -259,7 +2070,7 @@
           <a:p>
             <a:fld id="{2927A1FC-351F-44B3-B147-A71B60F2B70D}" type="datetimeFigureOut">
               <a:rPr lang="en-US" smtClean="0"/>
-              <a:t>10/14/2024</a:t>
+              <a:t>10/15/2024</a:t>
             </a:fld>
             <a:endParaRPr lang="en-US"/>
           </a:p>
@@ -457,7 +2268,7 @@
           <a:p>
             <a:fld id="{2927A1FC-351F-44B3-B147-A71B60F2B70D}" type="datetimeFigureOut">
               <a:rPr lang="en-US" smtClean="0"/>
-              <a:t>10/14/2024</a:t>
+              <a:t>10/15/2024</a:t>
             </a:fld>
             <a:endParaRPr lang="en-US"/>
           </a:p>
@@ -665,7 +2476,7 @@
           <a:p>
             <a:fld id="{2927A1FC-351F-44B3-B147-A71B60F2B70D}" type="datetimeFigureOut">
               <a:rPr lang="en-US" smtClean="0"/>
-              <a:t>10/14/2024</a:t>
+              <a:t>10/15/2024</a:t>
             </a:fld>
             <a:endParaRPr lang="en-US"/>
           </a:p>
@@ -863,7 +2674,7 @@
           <a:p>
             <a:fld id="{2927A1FC-351F-44B3-B147-A71B60F2B70D}" type="datetimeFigureOut">
               <a:rPr lang="en-US" smtClean="0"/>
-              <a:t>10/14/2024</a:t>
+              <a:t>10/15/2024</a:t>
             </a:fld>
             <a:endParaRPr lang="en-US"/>
           </a:p>
@@ -1138,7 +2949,7 @@
           <a:p>
             <a:fld id="{2927A1FC-351F-44B3-B147-A71B60F2B70D}" type="datetimeFigureOut">
               <a:rPr lang="en-US" smtClean="0"/>
-              <a:t>10/14/2024</a:t>
+              <a:t>10/15/2024</a:t>
             </a:fld>
             <a:endParaRPr lang="en-US"/>
           </a:p>
@@ -1403,7 +3214,7 @@
           <a:p>
             <a:fld id="{2927A1FC-351F-44B3-B147-A71B60F2B70D}" type="datetimeFigureOut">
               <a:rPr lang="en-US" smtClean="0"/>
-              <a:t>10/14/2024</a:t>
+              <a:t>10/15/2024</a:t>
             </a:fld>
             <a:endParaRPr lang="en-US"/>
           </a:p>
@@ -1815,7 +3626,7 @@
           <a:p>
             <a:fld id="{2927A1FC-351F-44B3-B147-A71B60F2B70D}" type="datetimeFigureOut">
               <a:rPr lang="en-US" smtClean="0"/>
-              <a:t>10/14/2024</a:t>
+              <a:t>10/15/2024</a:t>
             </a:fld>
             <a:endParaRPr lang="en-US"/>
           </a:p>
@@ -1956,7 +3767,7 @@
           <a:p>
             <a:fld id="{2927A1FC-351F-44B3-B147-A71B60F2B70D}" type="datetimeFigureOut">
               <a:rPr lang="en-US" smtClean="0"/>
-              <a:t>10/14/2024</a:t>
+              <a:t>10/15/2024</a:t>
             </a:fld>
             <a:endParaRPr lang="en-US"/>
           </a:p>
@@ -2069,7 +3880,7 @@
           <a:p>
             <a:fld id="{2927A1FC-351F-44B3-B147-A71B60F2B70D}" type="datetimeFigureOut">
               <a:rPr lang="en-US" smtClean="0"/>
-              <a:t>10/14/2024</a:t>
+              <a:t>10/15/2024</a:t>
             </a:fld>
             <a:endParaRPr lang="en-US"/>
           </a:p>
@@ -2380,7 +4191,7 @@
           <a:p>
             <a:fld id="{2927A1FC-351F-44B3-B147-A71B60F2B70D}" type="datetimeFigureOut">
               <a:rPr lang="en-US" smtClean="0"/>
-              <a:t>10/14/2024</a:t>
+              <a:t>10/15/2024</a:t>
             </a:fld>
             <a:endParaRPr lang="en-US"/>
           </a:p>
@@ -2668,7 +4479,7 @@
           <a:p>
             <a:fld id="{2927A1FC-351F-44B3-B147-A71B60F2B70D}" type="datetimeFigureOut">
               <a:rPr lang="en-US" smtClean="0"/>
-              <a:t>10/14/2024</a:t>
+              <a:t>10/15/2024</a:t>
             </a:fld>
             <a:endParaRPr lang="en-US"/>
           </a:p>
@@ -2909,7 +4720,7 @@
           <a:p>
             <a:fld id="{2927A1FC-351F-44B3-B147-A71B60F2B70D}" type="datetimeFigureOut">
               <a:rPr lang="en-US" smtClean="0"/>
-              <a:t>10/14/2024</a:t>
+              <a:t>10/15/2024</a:t>
             </a:fld>
             <a:endParaRPr lang="en-US"/>
           </a:p>
@@ -3356,10 +5167,10 @@
       </p:sp>
       <p:pic>
         <p:nvPicPr>
-          <p:cNvPr id="7" name="Content Placeholder 6">
-            <a:extLst>
-              <a:ext uri="{FF2B5EF4-FFF2-40B4-BE49-F238E27FC236}">
-                <a16:creationId xmlns:a16="http://schemas.microsoft.com/office/drawing/2014/main" id="{AA724DBC-82FA-47D1-E226-E62C2828E78E}"/>
+          <p:cNvPr id="6" name="Content Placeholder 5">
+            <a:extLst>
+              <a:ext uri="{FF2B5EF4-FFF2-40B4-BE49-F238E27FC236}">
+                <a16:creationId xmlns:a16="http://schemas.microsoft.com/office/drawing/2014/main" id="{B8924C7C-C304-9BB6-0F06-7189B5EC8015}"/>
               </a:ext>
             </a:extLst>
           </p:cNvPr>
@@ -3378,8 +5189,8 @@
         </p:blipFill>
         <p:spPr>
           <a:xfrm>
-            <a:off x="4199979" y="2882581"/>
-            <a:ext cx="3792041" cy="2237426"/>
+            <a:off x="1522492" y="1459145"/>
+            <a:ext cx="8268119" cy="4836687"/>
           </a:xfrm>
           <a:prstGeom prst="rect">
             <a:avLst/>
@@ -3390,6 +5201,180 @@
     <p:extLst>
       <p:ext uri="{BB962C8B-B14F-4D97-AF65-F5344CB8AC3E}">
         <p14:creationId xmlns:p14="http://schemas.microsoft.com/office/powerpoint/2010/main" val="3646626113"/>
+      </p:ext>
+    </p:extLst>
+  </p:cSld>
+  <p:clrMapOvr>
+    <a:masterClrMapping/>
+  </p:clrMapOvr>
+</p:sld>
+</file>
+
+<file path=ppt/slides/slide2.xml><?xml version="1.0" encoding="utf-8"?>
+<p:sld xmlns:a="http://schemas.openxmlformats.org/drawingml/2006/main" xmlns:r="http://schemas.openxmlformats.org/officeDocument/2006/relationships" xmlns:p="http://schemas.openxmlformats.org/presentationml/2006/main">
+  <p:cSld>
+    <p:spTree>
+      <p:nvGrpSpPr>
+        <p:cNvPr id="1" name=""/>
+        <p:cNvGrpSpPr/>
+        <p:nvPr/>
+      </p:nvGrpSpPr>
+      <p:grpSpPr>
+        <a:xfrm>
+          <a:off x="0" y="0"/>
+          <a:ext cx="0" cy="0"/>
+          <a:chOff x="0" y="0"/>
+          <a:chExt cx="0" cy="0"/>
+        </a:xfrm>
+      </p:grpSpPr>
+      <p:sp>
+        <p:nvSpPr>
+          <p:cNvPr id="2" name="Title 1">
+            <a:extLst>
+              <a:ext uri="{FF2B5EF4-FFF2-40B4-BE49-F238E27FC236}">
+                <a16:creationId xmlns:a16="http://schemas.microsoft.com/office/drawing/2014/main" id="{F9D6200D-AE3A-BCBC-6E29-8AE48D9F22E7}"/>
+              </a:ext>
+            </a:extLst>
+          </p:cNvPr>
+          <p:cNvSpPr>
+            <a:spLocks noGrp="1"/>
+          </p:cNvSpPr>
+          <p:nvPr>
+            <p:ph type="title"/>
+          </p:nvPr>
+        </p:nvSpPr>
+        <p:spPr/>
+        <p:txBody>
+          <a:bodyPr/>
+          <a:lstStyle/>
+          <a:p>
+            <a:r>
+              <a:rPr lang="en-US" dirty="0"/>
+              <a:t>Method 2: Link to Excel workbook</a:t>
+            </a:r>
+          </a:p>
+        </p:txBody>
+      </p:sp>
+      <p:graphicFrame>
+        <p:nvGraphicFramePr>
+          <p:cNvPr id="8" name="Content Placeholder 7">
+            <a:extLst>
+              <a:ext uri="{FF2B5EF4-FFF2-40B4-BE49-F238E27FC236}">
+                <a16:creationId xmlns:a16="http://schemas.microsoft.com/office/drawing/2014/main" id="{B025752B-A284-0474-6A45-972005869067}"/>
+              </a:ext>
+            </a:extLst>
+          </p:cNvPr>
+          <p:cNvGraphicFramePr>
+            <a:graphicFrameLocks noGrp="1"/>
+          </p:cNvGraphicFramePr>
+          <p:nvPr>
+            <p:ph idx="1"/>
+          </p:nvPr>
+        </p:nvGraphicFramePr>
+        <p:xfrm>
+          <a:off x="838200" y="1825625"/>
+          <a:ext cx="10515600" cy="4351338"/>
+        </p:xfrm>
+        <a:graphic>
+          <a:graphicData uri="http://schemas.openxmlformats.org/drawingml/2006/chart">
+            <c:chart xmlns:c="http://schemas.openxmlformats.org/drawingml/2006/chart" xmlns:r="http://schemas.openxmlformats.org/officeDocument/2006/relationships" r:id="rId2"/>
+          </a:graphicData>
+        </a:graphic>
+      </p:graphicFrame>
+    </p:spTree>
+    <p:extLst>
+      <p:ext uri="{BB962C8B-B14F-4D97-AF65-F5344CB8AC3E}">
+        <p14:creationId xmlns:p14="http://schemas.microsoft.com/office/powerpoint/2010/main" val="1325523461"/>
+      </p:ext>
+    </p:extLst>
+  </p:cSld>
+  <p:clrMapOvr>
+    <a:masterClrMapping/>
+  </p:clrMapOvr>
+</p:sld>
+</file>
+
+<file path=ppt/slides/slide3.xml><?xml version="1.0" encoding="utf-8"?>
+<p:sld xmlns:a="http://schemas.openxmlformats.org/drawingml/2006/main" xmlns:r="http://schemas.openxmlformats.org/officeDocument/2006/relationships" xmlns:p="http://schemas.openxmlformats.org/presentationml/2006/main">
+  <p:cSld>
+    <p:spTree>
+      <p:nvGrpSpPr>
+        <p:cNvPr id="1" name="">
+          <a:extLst>
+            <a:ext uri="{FF2B5EF4-FFF2-40B4-BE49-F238E27FC236}">
+              <a16:creationId xmlns:a16="http://schemas.microsoft.com/office/drawing/2014/main" id="{EFEE39CB-2A6B-FC12-FF97-586861DFD38E}"/>
+            </a:ext>
+          </a:extLst>
+        </p:cNvPr>
+        <p:cNvGrpSpPr/>
+        <p:nvPr/>
+      </p:nvGrpSpPr>
+      <p:grpSpPr>
+        <a:xfrm>
+          <a:off x="0" y="0"/>
+          <a:ext cx="0" cy="0"/>
+          <a:chOff x="0" y="0"/>
+          <a:chExt cx="0" cy="0"/>
+        </a:xfrm>
+      </p:grpSpPr>
+      <p:sp>
+        <p:nvSpPr>
+          <p:cNvPr id="2" name="Title 1">
+            <a:extLst>
+              <a:ext uri="{FF2B5EF4-FFF2-40B4-BE49-F238E27FC236}">
+                <a16:creationId xmlns:a16="http://schemas.microsoft.com/office/drawing/2014/main" id="{CA2C4BDB-B0D6-FB8C-784A-124000A00650}"/>
+              </a:ext>
+            </a:extLst>
+          </p:cNvPr>
+          <p:cNvSpPr>
+            <a:spLocks noGrp="1"/>
+          </p:cNvSpPr>
+          <p:nvPr>
+            <p:ph type="title"/>
+          </p:nvPr>
+        </p:nvSpPr>
+        <p:spPr/>
+        <p:txBody>
+          <a:bodyPr/>
+          <a:lstStyle/>
+          <a:p>
+            <a:r>
+              <a:rPr lang="en-US" dirty="0"/>
+              <a:t>Method 3: Embed in PowerPoint deck</a:t>
+            </a:r>
+          </a:p>
+        </p:txBody>
+      </p:sp>
+      <p:graphicFrame>
+        <p:nvGraphicFramePr>
+          <p:cNvPr id="7" name="Content Placeholder 6">
+            <a:extLst>
+              <a:ext uri="{FF2B5EF4-FFF2-40B4-BE49-F238E27FC236}">
+                <a16:creationId xmlns:a16="http://schemas.microsoft.com/office/drawing/2014/main" id="{B025752B-A284-0474-6A45-972005869067}"/>
+              </a:ext>
+            </a:extLst>
+          </p:cNvPr>
+          <p:cNvGraphicFramePr>
+            <a:graphicFrameLocks noGrp="1"/>
+          </p:cNvGraphicFramePr>
+          <p:nvPr>
+            <p:ph idx="1"/>
+          </p:nvPr>
+        </p:nvGraphicFramePr>
+        <p:xfrm>
+          <a:off x="838200" y="1825625"/>
+          <a:ext cx="10515600" cy="4351338"/>
+        </p:xfrm>
+        <a:graphic>
+          <a:graphicData uri="http://schemas.openxmlformats.org/drawingml/2006/chart">
+            <c:chart xmlns:c="http://schemas.openxmlformats.org/drawingml/2006/chart" xmlns:r="http://schemas.openxmlformats.org/officeDocument/2006/relationships" r:id="rId2"/>
+          </a:graphicData>
+        </a:graphic>
+      </p:graphicFrame>
+    </p:spTree>
+    <p:extLst>
+      <p:ext uri="{BB962C8B-B14F-4D97-AF65-F5344CB8AC3E}">
+        <p14:creationId xmlns:p14="http://schemas.microsoft.com/office/powerpoint/2010/main" val="344630076"/>
       </p:ext>
     </p:extLst>
   </p:cSld>
@@ -3712,4 +5697,290 @@
     </a:ext>
   </a:extLst>
 </a:theme>
+</file>
+
+<file path=ppt/theme/themeOverride1.xml><?xml version="1.0" encoding="utf-8"?>
+<a:themeOverride xmlns:a="http://schemas.openxmlformats.org/drawingml/2006/main">
+  <a:clrScheme name="Office">
+    <a:dk1>
+      <a:sysClr val="windowText" lastClr="000000"/>
+    </a:dk1>
+    <a:lt1>
+      <a:sysClr val="window" lastClr="FFFFFF"/>
+    </a:lt1>
+    <a:dk2>
+      <a:srgbClr val="0E2841"/>
+    </a:dk2>
+    <a:lt2>
+      <a:srgbClr val="E8E8E8"/>
+    </a:lt2>
+    <a:accent1>
+      <a:srgbClr val="156082"/>
+    </a:accent1>
+    <a:accent2>
+      <a:srgbClr val="E97132"/>
+    </a:accent2>
+    <a:accent3>
+      <a:srgbClr val="196B24"/>
+    </a:accent3>
+    <a:accent4>
+      <a:srgbClr val="0F9ED5"/>
+    </a:accent4>
+    <a:accent5>
+      <a:srgbClr val="A02B93"/>
+    </a:accent5>
+    <a:accent6>
+      <a:srgbClr val="4EA72E"/>
+    </a:accent6>
+    <a:hlink>
+      <a:srgbClr val="467886"/>
+    </a:hlink>
+    <a:folHlink>
+      <a:srgbClr val="96607D"/>
+    </a:folHlink>
+  </a:clrScheme>
+  <a:fontScheme name="Office">
+    <a:majorFont>
+      <a:latin typeface="Aptos Display" panose="02110004020202020204"/>
+      <a:ea typeface=""/>
+      <a:cs typeface=""/>
+      <a:font script="Jpan" typeface="游ゴシック Light"/>
+      <a:font script="Hang" typeface="맑은 고딕"/>
+      <a:font script="Hans" typeface="等线 Light"/>
+      <a:font script="Hant" typeface="新細明體"/>
+      <a:font script="Arab" typeface="Times New Roman"/>
+      <a:font script="Hebr" typeface="Times New Roman"/>
+      <a:font script="Thai" typeface="Tahoma"/>
+      <a:font script="Ethi" typeface="Nyala"/>
+      <a:font script="Beng" typeface="Vrinda"/>
+      <a:font script="Gujr" typeface="Shruti"/>
+      <a:font script="Khmr" typeface="MoolBoran"/>
+      <a:font script="Knda" typeface="Tunga"/>
+      <a:font script="Guru" typeface="Raavi"/>
+      <a:font script="Cans" typeface="Euphemia"/>
+      <a:font script="Cher" typeface="Plantagenet Cherokee"/>
+      <a:font script="Yiii" typeface="Microsoft Yi Baiti"/>
+      <a:font script="Tibt" typeface="Microsoft Himalaya"/>
+      <a:font script="Thaa" typeface="MV Boli"/>
+      <a:font script="Deva" typeface="Mangal"/>
+      <a:font script="Telu" typeface="Gautami"/>
+      <a:font script="Taml" typeface="Latha"/>
+      <a:font script="Syrc" typeface="Estrangelo Edessa"/>
+      <a:font script="Orya" typeface="Kalinga"/>
+      <a:font script="Mlym" typeface="Kartika"/>
+      <a:font script="Laoo" typeface="DokChampa"/>
+      <a:font script="Sinh" typeface="Iskoola Pota"/>
+      <a:font script="Mong" typeface="Mongolian Baiti"/>
+      <a:font script="Viet" typeface="Times New Roman"/>
+      <a:font script="Uigh" typeface="Microsoft Uighur"/>
+      <a:font script="Geor" typeface="Sylfaen"/>
+      <a:font script="Armn" typeface="Arial"/>
+      <a:font script="Bugi" typeface="Leelawadee UI"/>
+      <a:font script="Bopo" typeface="Microsoft JhengHei"/>
+      <a:font script="Java" typeface="Javanese Text"/>
+      <a:font script="Lisu" typeface="Segoe UI"/>
+      <a:font script="Mymr" typeface="Myanmar Text"/>
+      <a:font script="Nkoo" typeface="Ebrima"/>
+      <a:font script="Olck" typeface="Nirmala UI"/>
+      <a:font script="Osma" typeface="Ebrima"/>
+      <a:font script="Phag" typeface="Phagspa"/>
+      <a:font script="Syrn" typeface="Estrangelo Edessa"/>
+      <a:font script="Syrj" typeface="Estrangelo Edessa"/>
+      <a:font script="Syre" typeface="Estrangelo Edessa"/>
+      <a:font script="Sora" typeface="Nirmala UI"/>
+      <a:font script="Tale" typeface="Microsoft Tai Le"/>
+      <a:font script="Talu" typeface="Microsoft New Tai Lue"/>
+      <a:font script="Tfng" typeface="Ebrima"/>
+    </a:majorFont>
+    <a:minorFont>
+      <a:latin typeface="Aptos Narrow" panose="02110004020202020204"/>
+      <a:ea typeface=""/>
+      <a:cs typeface=""/>
+      <a:font script="Jpan" typeface="游ゴシック"/>
+      <a:font script="Hang" typeface="맑은 고딕"/>
+      <a:font script="Hans" typeface="等线"/>
+      <a:font script="Hant" typeface="新細明體"/>
+      <a:font script="Arab" typeface="Arial"/>
+      <a:font script="Hebr" typeface="Arial"/>
+      <a:font script="Thai" typeface="Tahoma"/>
+      <a:font script="Ethi" typeface="Nyala"/>
+      <a:font script="Beng" typeface="Vrinda"/>
+      <a:font script="Gujr" typeface="Shruti"/>
+      <a:font script="Khmr" typeface="DaunPenh"/>
+      <a:font script="Knda" typeface="Tunga"/>
+      <a:font script="Guru" typeface="Raavi"/>
+      <a:font script="Cans" typeface="Euphemia"/>
+      <a:font script="Cher" typeface="Plantagenet Cherokee"/>
+      <a:font script="Yiii" typeface="Microsoft Yi Baiti"/>
+      <a:font script="Tibt" typeface="Microsoft Himalaya"/>
+      <a:font script="Thaa" typeface="MV Boli"/>
+      <a:font script="Deva" typeface="Mangal"/>
+      <a:font script="Telu" typeface="Gautami"/>
+      <a:font script="Taml" typeface="Latha"/>
+      <a:font script="Syrc" typeface="Estrangelo Edessa"/>
+      <a:font script="Orya" typeface="Kalinga"/>
+      <a:font script="Mlym" typeface="Kartika"/>
+      <a:font script="Laoo" typeface="DokChampa"/>
+      <a:font script="Sinh" typeface="Iskoola Pota"/>
+      <a:font script="Mong" typeface="Mongolian Baiti"/>
+      <a:font script="Viet" typeface="Arial"/>
+      <a:font script="Uigh" typeface="Microsoft Uighur"/>
+      <a:font script="Geor" typeface="Sylfaen"/>
+      <a:font script="Armn" typeface="Arial"/>
+      <a:font script="Bugi" typeface="Leelawadee UI"/>
+      <a:font script="Bopo" typeface="Microsoft JhengHei"/>
+      <a:font script="Java" typeface="Javanese Text"/>
+      <a:font script="Lisu" typeface="Segoe UI"/>
+      <a:font script="Mymr" typeface="Myanmar Text"/>
+      <a:font script="Nkoo" typeface="Ebrima"/>
+      <a:font script="Olck" typeface="Nirmala UI"/>
+      <a:font script="Osma" typeface="Ebrima"/>
+      <a:font script="Phag" typeface="Phagspa"/>
+      <a:font script="Syrn" typeface="Estrangelo Edessa"/>
+      <a:font script="Syrj" typeface="Estrangelo Edessa"/>
+      <a:font script="Syre" typeface="Estrangelo Edessa"/>
+      <a:font script="Sora" typeface="Nirmala UI"/>
+      <a:font script="Tale" typeface="Microsoft Tai Le"/>
+      <a:font script="Talu" typeface="Microsoft New Tai Lue"/>
+      <a:font script="Tfng" typeface="Ebrima"/>
+    </a:minorFont>
+  </a:fontScheme>
+  <a:fmtScheme name="Office">
+    <a:fillStyleLst>
+      <a:solidFill>
+        <a:schemeClr val="phClr"/>
+      </a:solidFill>
+      <a:gradFill rotWithShape="1">
+        <a:gsLst>
+          <a:gs pos="0">
+            <a:schemeClr val="phClr">
+              <a:lumMod val="110000"/>
+              <a:satMod val="105000"/>
+              <a:tint val="67000"/>
+            </a:schemeClr>
+          </a:gs>
+          <a:gs pos="50000">
+            <a:schemeClr val="phClr">
+              <a:lumMod val="105000"/>
+              <a:satMod val="103000"/>
+              <a:tint val="73000"/>
+            </a:schemeClr>
+          </a:gs>
+          <a:gs pos="100000">
+            <a:schemeClr val="phClr">
+              <a:lumMod val="105000"/>
+              <a:satMod val="109000"/>
+              <a:tint val="81000"/>
+            </a:schemeClr>
+          </a:gs>
+        </a:gsLst>
+        <a:lin ang="5400000" scaled="0"/>
+      </a:gradFill>
+      <a:gradFill rotWithShape="1">
+        <a:gsLst>
+          <a:gs pos="0">
+            <a:schemeClr val="phClr">
+              <a:satMod val="103000"/>
+              <a:lumMod val="102000"/>
+              <a:tint val="94000"/>
+            </a:schemeClr>
+          </a:gs>
+          <a:gs pos="50000">
+            <a:schemeClr val="phClr">
+              <a:satMod val="110000"/>
+              <a:lumMod val="100000"/>
+              <a:shade val="100000"/>
+            </a:schemeClr>
+          </a:gs>
+          <a:gs pos="100000">
+            <a:schemeClr val="phClr">
+              <a:lumMod val="99000"/>
+              <a:satMod val="120000"/>
+              <a:shade val="78000"/>
+            </a:schemeClr>
+          </a:gs>
+        </a:gsLst>
+        <a:lin ang="5400000" scaled="0"/>
+      </a:gradFill>
+    </a:fillStyleLst>
+    <a:lnStyleLst>
+      <a:ln w="12700" cap="flat" cmpd="sng" algn="ctr">
+        <a:solidFill>
+          <a:schemeClr val="phClr"/>
+        </a:solidFill>
+        <a:prstDash val="solid"/>
+        <a:miter lim="800000"/>
+      </a:ln>
+      <a:ln w="19050" cap="flat" cmpd="sng" algn="ctr">
+        <a:solidFill>
+          <a:schemeClr val="phClr"/>
+        </a:solidFill>
+        <a:prstDash val="solid"/>
+        <a:miter lim="800000"/>
+      </a:ln>
+      <a:ln w="25400" cap="flat" cmpd="sng" algn="ctr">
+        <a:solidFill>
+          <a:schemeClr val="phClr"/>
+        </a:solidFill>
+        <a:prstDash val="solid"/>
+        <a:miter lim="800000"/>
+      </a:ln>
+    </a:lnStyleLst>
+    <a:effectStyleLst>
+      <a:effectStyle>
+        <a:effectLst/>
+      </a:effectStyle>
+      <a:effectStyle>
+        <a:effectLst/>
+      </a:effectStyle>
+      <a:effectStyle>
+        <a:effectLst>
+          <a:outerShdw blurRad="57150" dist="19050" dir="5400000" algn="ctr" rotWithShape="0">
+            <a:srgbClr val="000000">
+              <a:alpha val="63000"/>
+            </a:srgbClr>
+          </a:outerShdw>
+        </a:effectLst>
+      </a:effectStyle>
+    </a:effectStyleLst>
+    <a:bgFillStyleLst>
+      <a:solidFill>
+        <a:schemeClr val="phClr"/>
+      </a:solidFill>
+      <a:solidFill>
+        <a:schemeClr val="phClr">
+          <a:tint val="95000"/>
+          <a:satMod val="170000"/>
+        </a:schemeClr>
+      </a:solidFill>
+      <a:gradFill rotWithShape="1">
+        <a:gsLst>
+          <a:gs pos="0">
+            <a:schemeClr val="phClr">
+              <a:tint val="93000"/>
+              <a:satMod val="150000"/>
+              <a:shade val="98000"/>
+              <a:lumMod val="102000"/>
+            </a:schemeClr>
+          </a:gs>
+          <a:gs pos="50000">
+            <a:schemeClr val="phClr">
+              <a:tint val="98000"/>
+              <a:satMod val="130000"/>
+              <a:shade val="90000"/>
+              <a:lumMod val="103000"/>
+            </a:schemeClr>
+          </a:gs>
+          <a:gs pos="100000">
+            <a:schemeClr val="phClr">
+              <a:shade val="63000"/>
+              <a:satMod val="120000"/>
+            </a:schemeClr>
+          </a:gs>
+        </a:gsLst>
+        <a:lin ang="5400000" scaled="0"/>
+      </a:gradFill>
+    </a:bgFillStyleLst>
+  </a:fmtScheme>
+</a:themeOverride>
 </file>